--- a/Courses/Software-Sciences/IT-Module-3-Web-Design/05-Web-Pages-Design/05-Web-Pages-Design.pptx
+++ b/Courses/Software-Sciences/IT-Module-3-Web-Design/05-Web-Pages-Design/05-Web-Pages-Design.pptx
@@ -239,6 +239,12 @@
 </p:presentation>
 </file>
 
+<file path=ppt/authors.xml><?xml version="1.0" encoding="utf-8"?>
+<p188:authorLst xmlns:a="http://schemas.openxmlformats.org/drawingml/2006/main" xmlns:r="http://schemas.openxmlformats.org/officeDocument/2006/relationships" xmlns:p188="http://schemas.microsoft.com/office/powerpoint/2018/8/main">
+  <p188:author id="{CB4BF2F8-D32F-9387-A6CE-368ED6EFDCF0}" name="Zaraliev" initials="KZ" userId="S::Zaraliev@students.softuni.bg::e1c6524a-140e-4108-9ad5-216363431969" providerId="AD"/>
+</p188:authorLst>
+</file>
+
 <file path=ppt/commentAuthors.xml><?xml version="1.0" encoding="utf-8"?>
 <p:cmAuthorLst xmlns:a="http://schemas.openxmlformats.org/drawingml/2006/main" xmlns:r="http://schemas.openxmlformats.org/officeDocument/2006/relationships" xmlns:p="http://schemas.openxmlformats.org/presentationml/2006/main">
   <p:cmAuthor id="1" name="PC" initials="P" lastIdx="8" clrIdx="0">
@@ -256,6 +262,89 @@
     </p:extLst>
   </p:cmAuthor>
 </p:cmAuthorLst>
+</file>
+
+<file path=ppt/comments/modernComment_358_D829CF31.xml><?xml version="1.0" encoding="utf-8"?>
+<p188:cmLst xmlns:a="http://schemas.openxmlformats.org/drawingml/2006/main" xmlns:r="http://schemas.openxmlformats.org/officeDocument/2006/relationships" xmlns:p188="http://schemas.microsoft.com/office/powerpoint/2018/8/main">
+  <p188:cm id="{87662D8D-81AF-48B0-A380-E9DEB87A4765}" authorId="{CB4BF2F8-D32F-9387-A6CE-368ED6EFDCF0}" created="2025-11-21T10:49:52.370">
+    <ac:deMkLst xmlns:ac="http://schemas.microsoft.com/office/drawing/2013/main/command">
+      <pc:docMk xmlns:pc="http://schemas.microsoft.com/office/powerpoint/2013/main/command"/>
+      <pc:sldMk xmlns:pc="http://schemas.microsoft.com/office/powerpoint/2013/main/command" cId="3626618673" sldId="856"/>
+      <ac:spMk id="4" creationId="{58EFFA6B-E941-CD02-0160-B57EC237EBD8}"/>
+    </ac:deMkLst>
+    <p188:txBody>
+      <a:bodyPr/>
+      <a:lstStyle/>
+      <a:p>
+        <a:r>
+          <a:rPr lang="en-GB"/>
+          <a:t>Акцентите да са отделни фигури с анимации</a:t>
+        </a:r>
+      </a:p>
+    </p188:txBody>
+  </p188:cm>
+</p188:cmLst>
+</file>
+
+<file path=ppt/comments/modernComment_35D_D5DBC4F0.xml><?xml version="1.0" encoding="utf-8"?>
+<p188:cmLst xmlns:a="http://schemas.openxmlformats.org/drawingml/2006/main" xmlns:r="http://schemas.openxmlformats.org/officeDocument/2006/relationships" xmlns:p188="http://schemas.microsoft.com/office/powerpoint/2018/8/main">
+  <p188:cm id="{9948103B-3533-42F6-B2D5-782DF7180215}" authorId="{CB4BF2F8-D32F-9387-A6CE-368ED6EFDCF0}" created="2025-11-21T10:51:27.942">
+    <ac:deMkLst xmlns:ac="http://schemas.microsoft.com/office/drawing/2013/main/command">
+      <pc:docMk xmlns:pc="http://schemas.microsoft.com/office/powerpoint/2013/main/command"/>
+      <pc:sldMk xmlns:pc="http://schemas.microsoft.com/office/powerpoint/2013/main/command" cId="3587949808" sldId="861"/>
+      <ac:picMk id="11" creationId="{C251B3E1-C3D1-89CD-F0F4-789682E08090}"/>
+    </ac:deMkLst>
+    <p188:txBody>
+      <a:bodyPr/>
+      <a:lstStyle/>
+      <a:p>
+        <a:r>
+          <a:rPr lang="en-GB"/>
+          <a:t>Нека изображението да е placeholder</a:t>
+        </a:r>
+      </a:p>
+    </p188:txBody>
+  </p188:cm>
+  <p188:cm id="{AC988AF6-368C-4031-AB9C-720B25DB8E4A}" authorId="{CB4BF2F8-D32F-9387-A6CE-368ED6EFDCF0}" created="2025-11-21T10:52:15.779">
+    <ac:deMkLst xmlns:ac="http://schemas.microsoft.com/office/drawing/2013/main/command">
+      <pc:docMk xmlns:pc="http://schemas.microsoft.com/office/powerpoint/2013/main/command"/>
+      <pc:sldMk xmlns:pc="http://schemas.microsoft.com/office/powerpoint/2013/main/command" cId="3587949808" sldId="861"/>
+      <ac:picMk id="7" creationId="{C7A9BD49-046F-2415-3C85-F40FF5B63F10}"/>
+    </ac:deMkLst>
+    <p188:txBody>
+      <a:bodyPr/>
+      <a:lstStyle/>
+      <a:p>
+        <a:r>
+          <a:rPr lang="en-GB"/>
+          <a:t>Също логото да е с placeholder</a:t>
+        </a:r>
+      </a:p>
+    </p188:txBody>
+  </p188:cm>
+</p188:cmLst>
+</file>
+
+<file path=ppt/comments/modernComment_35F_63CB320C.xml><?xml version="1.0" encoding="utf-8"?>
+<p188:cmLst xmlns:a="http://schemas.openxmlformats.org/drawingml/2006/main" xmlns:r="http://schemas.openxmlformats.org/officeDocument/2006/relationships" xmlns:p188="http://schemas.microsoft.com/office/powerpoint/2018/8/main">
+  <p188:cm id="{63474D5B-5794-4D4B-B294-B44BC236949A}" authorId="{CB4BF2F8-D32F-9387-A6CE-368ED6EFDCF0}" created="2025-11-21T10:54:12.050">
+    <ac:deMkLst xmlns:ac="http://schemas.microsoft.com/office/drawing/2013/main/command">
+      <pc:docMk xmlns:pc="http://schemas.microsoft.com/office/powerpoint/2013/main/command"/>
+      <pc:sldMk xmlns:pc="http://schemas.microsoft.com/office/powerpoint/2013/main/command" cId="1674261004" sldId="863"/>
+      <ac:picMk id="5" creationId="{C3120F3C-AAE4-3A55-E50D-BFDB9257AB15}"/>
+    </ac:deMkLst>
+    <p188:txBody>
+      <a:bodyPr/>
+      <a:lstStyle/>
+      <a:p>
+        <a:r>
+          <a:rPr lang="en-GB"/>
+          <a:t>Маршрутите да се оформят като картички</a:t>
+        </a:r>
+      </a:p>
+    </p188:txBody>
+  </p188:cm>
+</p188:cmLst>
 </file>
 
 <file path=ppt/handoutMasters/handoutMaster1.xml><?xml version="1.0" encoding="utf-8"?>
@@ -352,7 +441,7 @@
           <a:p>
             <a:fld id="{4E087215-0C8F-4762-A664-737A353EC9A4}" type="datetimeFigureOut">
               <a:rPr lang="bg-BG" smtClean="0"/>
-              <a:t>31.10.25 г.</a:t>
+              <a:t>21.11.2025 г.</a:t>
             </a:fld>
             <a:endParaRPr lang="bg-BG"/>
           </a:p>
@@ -548,7 +637,7 @@
           <a:p>
             <a:fld id="{72D84649-876A-46C9-8472-14CB09C070D8}" type="datetimeFigureOut">
               <a:rPr lang="en-US" smtClean="0"/>
-              <a:t>10/31/25</a:t>
+              <a:t>11/21/2025</a:t>
             </a:fld>
             <a:endParaRPr lang="en-US"/>
           </a:p>
@@ -19119,11 +19208,11 @@
   <p:clrMapOvr>
     <a:masterClrMapping/>
   </p:clrMapOvr>
-  <mc:AlternateContent xmlns:mc="http://schemas.openxmlformats.org/markup-compatibility/2006">
-    <mc:Choice xmlns:p14="http://schemas.microsoft.com/office/powerpoint/2010/main" Requires="p14">
+  <mc:AlternateContent xmlns:mc="http://schemas.openxmlformats.org/markup-compatibility/2006" xmlns:p14="http://schemas.microsoft.com/office/powerpoint/2010/main">
+    <mc:Choice Requires="p14">
       <p:transition spd="slow" p14:dur="2000" advClick="0" advTm="5000"/>
     </mc:Choice>
-    <mc:Fallback>
+    <mc:Fallback xmlns="">
       <p:transition spd="slow" advClick="0" advTm="5000"/>
     </mc:Fallback>
   </mc:AlternateContent>
@@ -19395,7 +19484,7 @@
             </a:r>
             <a:r>
               <a:rPr lang="bg-BG" sz="3200" b="1" dirty="0"/>
-              <a:t>форма за връзка</a:t>
+              <a:t>контактна форма</a:t>
             </a:r>
             <a:r>
               <a:rPr lang="bg-BG" sz="3200" dirty="0"/>
@@ -19630,11 +19719,11 @@
   <p:clrMapOvr>
     <a:masterClrMapping/>
   </p:clrMapOvr>
-  <mc:AlternateContent xmlns:mc="http://schemas.openxmlformats.org/markup-compatibility/2006">
-    <mc:Choice xmlns:p14="http://schemas.microsoft.com/office/powerpoint/2010/main" Requires="p14">
+  <mc:AlternateContent xmlns:mc="http://schemas.openxmlformats.org/markup-compatibility/2006" xmlns:p14="http://schemas.microsoft.com/office/powerpoint/2010/main">
+    <mc:Choice Requires="p14">
       <p:transition spd="slow" p14:dur="2000" advClick="0" advTm="5000"/>
     </mc:Choice>
-    <mc:Fallback>
+    <mc:Fallback xmlns="">
       <p:transition spd="slow" advClick="0" advTm="5000"/>
     </mc:Fallback>
   </mc:AlternateContent>
@@ -19861,8 +19950,8 @@
         </p:nvSpPr>
         <p:spPr>
           <a:xfrm>
-            <a:off x="2001000" y="1121143"/>
-            <a:ext cx="9994234" cy="5546589"/>
+            <a:off x="2091000" y="1121143"/>
+            <a:ext cx="9904234" cy="5546589"/>
           </a:xfrm>
         </p:spPr>
         <p:txBody>
@@ -21214,11 +21303,11 @@
   <p:clrMapOvr>
     <a:masterClrMapping/>
   </p:clrMapOvr>
-  <mc:AlternateContent xmlns:mc="http://schemas.openxmlformats.org/markup-compatibility/2006">
-    <mc:Choice xmlns:p14="http://schemas.microsoft.com/office/powerpoint/2010/main" Requires="p14">
+  <mc:AlternateContent xmlns:mc="http://schemas.openxmlformats.org/markup-compatibility/2006" xmlns:p14="http://schemas.microsoft.com/office/powerpoint/2010/main">
+    <mc:Choice Requires="p14">
       <p:transition spd="slow" p14:dur="2000" advClick="0" advTm="5000"/>
     </mc:Choice>
-    <mc:Fallback>
+    <mc:Fallback xmlns="">
       <p:transition spd="slow" advClick="0" advTm="5000"/>
     </mc:Fallback>
   </mc:AlternateContent>
@@ -21722,7 +21811,7 @@
           <p:nvPr/>
         </p:nvPicPr>
         <p:blipFill>
-          <a:blip r:embed="rId3">
+          <a:blip r:embed="rId4">
             <a:extLst>
               <a:ext uri="{28A0092B-C50C-407E-A947-70E740481C1C}">
                 <a14:useLocalDpi xmlns:a14="http://schemas.microsoft.com/office/drawing/2010/main" val="0"/>
@@ -21746,6 +21835,78 @@
           </a:ln>
         </p:spPr>
       </p:pic>
+      <p:sp>
+        <p:nvSpPr>
+          <p:cNvPr id="4" name="Rectangle 3">
+            <a:extLst>
+              <a:ext uri="{FF2B5EF4-FFF2-40B4-BE49-F238E27FC236}">
+                <a16:creationId xmlns:a16="http://schemas.microsoft.com/office/drawing/2014/main" id="{58EFFA6B-E941-CD02-0160-B57EC237EBD8}"/>
+              </a:ext>
+            </a:extLst>
+          </p:cNvPr>
+          <p:cNvSpPr/>
+          <p:nvPr/>
+        </p:nvSpPr>
+        <p:spPr bwMode="auto">
+          <a:xfrm>
+            <a:off x="1191000" y="3601213"/>
+            <a:ext cx="7335000" cy="1935000"/>
+          </a:xfrm>
+          <a:prstGeom prst="rect">
+            <a:avLst/>
+          </a:prstGeom>
+          <a:noFill/>
+          <a:ln w="57150">
+            <a:solidFill>
+              <a:schemeClr val="tx1">
+                <a:lumMod val="75000"/>
+                <a:alpha val="80000"/>
+              </a:schemeClr>
+            </a:solidFill>
+          </a:ln>
+          <a:effectLst/>
+        </p:spPr>
+        <p:style>
+          <a:lnRef idx="2">
+            <a:schemeClr val="accent1">
+              <a:shade val="50000"/>
+            </a:schemeClr>
+          </a:lnRef>
+          <a:fillRef idx="1001">
+            <a:schemeClr val="dk2"/>
+          </a:fillRef>
+          <a:effectRef idx="0">
+            <a:schemeClr val="accent1"/>
+          </a:effectRef>
+          <a:fontRef idx="minor">
+            <a:schemeClr val="lt1"/>
+          </a:fontRef>
+        </p:style>
+        <p:txBody>
+          <a:bodyPr rot="0" spcFirstLastPara="0" vertOverflow="overflow" horzOverflow="overflow" vert="horz" wrap="square" lIns="91440" tIns="45720" rIns="91440" bIns="45720" numCol="1" spcCol="0" rtlCol="0" fromWordArt="0" anchor="ctr" anchorCtr="0" forceAA="0" compatLnSpc="1">
+            <a:prstTxWarp prst="textNoShape">
+              <a:avLst/>
+            </a:prstTxWarp>
+            <a:noAutofit/>
+          </a:bodyPr>
+          <a:lstStyle/>
+          <a:p>
+            <a:pPr algn="ctr"/>
+            <a:endParaRPr lang="en-GB" sz="2800" b="1" dirty="0">
+              <a:solidFill>
+                <a:srgbClr val="FFFFFF"/>
+              </a:solidFill>
+              <a:effectLst>
+                <a:outerShdw blurRad="38100" dist="38100" dir="2700000" algn="tl">
+                  <a:srgbClr val="000000">
+                    <a:alpha val="43137"/>
+                  </a:srgbClr>
+                </a:outerShdw>
+              </a:effectLst>
+            </a:endParaRPr>
+          </a:p>
+        </p:txBody>
+      </p:sp>
     </p:spTree>
     <p:extLst>
       <p:ext uri="{BB962C8B-B14F-4D97-AF65-F5344CB8AC3E}">
@@ -21756,11 +21917,11 @@
   <p:clrMapOvr>
     <a:masterClrMapping/>
   </p:clrMapOvr>
-  <mc:AlternateContent xmlns:mc="http://schemas.openxmlformats.org/markup-compatibility/2006">
-    <mc:Choice xmlns:p14="http://schemas.microsoft.com/office/powerpoint/2010/main" Requires="p14">
+  <mc:AlternateContent xmlns:mc="http://schemas.openxmlformats.org/markup-compatibility/2006" xmlns:p14="http://schemas.microsoft.com/office/powerpoint/2010/main">
+    <mc:Choice Requires="p14">
       <p:transition spd="slow" p14:dur="2000" advClick="0" advTm="5000"/>
     </mc:Choice>
-    <mc:Fallback>
+    <mc:Fallback xmlns="">
       <p:transition spd="slow" advClick="0" advTm="5000"/>
     </mc:Fallback>
   </mc:AlternateContent>
@@ -21866,6 +22027,51 @@
                       </p:childTnLst>
                     </p:cTn>
                   </p:par>
+                  <p:par>
+                    <p:cTn id="11" fill="hold">
+                      <p:stCondLst>
+                        <p:cond delay="indefinite"/>
+                      </p:stCondLst>
+                      <p:childTnLst>
+                        <p:par>
+                          <p:cTn id="12" fill="hold">
+                            <p:stCondLst>
+                              <p:cond delay="0"/>
+                            </p:stCondLst>
+                            <p:childTnLst>
+                              <p:par>
+                                <p:cTn id="13" presetID="1" presetClass="entr" presetSubtype="0" fill="hold" grpId="0" nodeType="clickEffect">
+                                  <p:stCondLst>
+                                    <p:cond delay="0"/>
+                                  </p:stCondLst>
+                                  <p:childTnLst>
+                                    <p:set>
+                                      <p:cBhvr>
+                                        <p:cTn id="14" dur="1" fill="hold">
+                                          <p:stCondLst>
+                                            <p:cond delay="0"/>
+                                          </p:stCondLst>
+                                        </p:cTn>
+                                        <p:tgtEl>
+                                          <p:spTgt spid="4"/>
+                                        </p:tgtEl>
+                                        <p:attrNameLst>
+                                          <p:attrName>style.visibility</p:attrName>
+                                        </p:attrNameLst>
+                                      </p:cBhvr>
+                                      <p:to>
+                                        <p:strVal val="visible"/>
+                                      </p:to>
+                                    </p:set>
+                                  </p:childTnLst>
+                                </p:cTn>
+                              </p:par>
+                            </p:childTnLst>
+                          </p:cTn>
+                        </p:par>
+                      </p:childTnLst>
+                    </p:cTn>
+                  </p:par>
                 </p:childTnLst>
               </p:cTn>
               <p:prevCondLst>
@@ -21887,7 +22093,15 @@
         </p:cTn>
       </p:par>
     </p:tnLst>
+    <p:bldLst>
+      <p:bldP spid="4" grpId="0" animBg="1"/>
+    </p:bldLst>
   </p:timing>
+  <p:extLst>
+    <p:ext uri="{6950BFC3-D8DA-4A85-94F7-54DA5524770B}">
+      <p188:commentRel xmlns:p188="http://schemas.microsoft.com/office/powerpoint/2018/8/main" r:id="rId3"/>
+    </p:ext>
+  </p:extLst>
 </p:sld>
 </file>
 
@@ -22115,11 +22329,11 @@
   <p:clrMapOvr>
     <a:masterClrMapping/>
   </p:clrMapOvr>
-  <mc:AlternateContent xmlns:mc="http://schemas.openxmlformats.org/markup-compatibility/2006">
-    <mc:Choice xmlns:p14="http://schemas.microsoft.com/office/powerpoint/2010/main" Requires="p14">
+  <mc:AlternateContent xmlns:mc="http://schemas.openxmlformats.org/markup-compatibility/2006" xmlns:p14="http://schemas.microsoft.com/office/powerpoint/2010/main">
+    <mc:Choice Requires="p14">
       <p:transition spd="slow" p14:dur="2000" advClick="0" advTm="5000"/>
     </mc:Choice>
-    <mc:Fallback>
+    <mc:Fallback xmlns="">
       <p:transition spd="slow" advClick="0" advTm="5000"/>
     </mc:Fallback>
   </mc:AlternateContent>
@@ -22458,11 +22672,11 @@
   <p:clrMapOvr>
     <a:masterClrMapping/>
   </p:clrMapOvr>
-  <mc:AlternateContent xmlns:mc="http://schemas.openxmlformats.org/markup-compatibility/2006">
-    <mc:Choice xmlns:p14="http://schemas.microsoft.com/office/powerpoint/2010/main" Requires="p14">
+  <mc:AlternateContent xmlns:mc="http://schemas.openxmlformats.org/markup-compatibility/2006" xmlns:p14="http://schemas.microsoft.com/office/powerpoint/2010/main">
+    <mc:Choice Requires="p14">
       <p:transition spd="slow" p14:dur="2000" advClick="0" advTm="5000"/>
     </mc:Choice>
-    <mc:Fallback>
+    <mc:Fallback xmlns="">
       <p:transition spd="slow" advClick="0" advTm="5000"/>
     </mc:Fallback>
   </mc:AlternateContent>
@@ -23020,7 +23234,7 @@
           <p:nvPr/>
         </p:nvPicPr>
         <p:blipFill rotWithShape="1">
-          <a:blip r:embed="rId3">
+          <a:blip r:embed="rId4">
             <a:extLst>
               <a:ext uri="{28A0092B-C50C-407E-A947-70E740481C1C}">
                 <a14:useLocalDpi xmlns:a14="http://schemas.microsoft.com/office/drawing/2010/main" val="0"/>
@@ -23062,7 +23276,7 @@
           <p:nvPr/>
         </p:nvPicPr>
         <p:blipFill>
-          <a:blip r:embed="rId4">
+          <a:blip r:embed="rId5">
             <a:extLst>
               <a:ext uri="{28A0092B-C50C-407E-A947-70E740481C1C}">
                 <a14:useLocalDpi xmlns:a14="http://schemas.microsoft.com/office/drawing/2010/main" val="0"/>
@@ -23176,7 +23390,7 @@
           <p:nvPr/>
         </p:nvPicPr>
         <p:blipFill>
-          <a:blip r:embed="rId5">
+          <a:blip r:embed="rId6">
             <a:extLst>
               <a:ext uri="{28A0092B-C50C-407E-A947-70E740481C1C}">
                 <a14:useLocalDpi xmlns:a14="http://schemas.microsoft.com/office/drawing/2010/main" val="0"/>
@@ -23210,11 +23424,11 @@
   <p:clrMapOvr>
     <a:masterClrMapping/>
   </p:clrMapOvr>
-  <mc:AlternateContent xmlns:mc="http://schemas.openxmlformats.org/markup-compatibility/2006">
-    <mc:Choice xmlns:p14="http://schemas.microsoft.com/office/powerpoint/2010/main" Requires="p14">
+  <mc:AlternateContent xmlns:mc="http://schemas.openxmlformats.org/markup-compatibility/2006" xmlns:p14="http://schemas.microsoft.com/office/powerpoint/2010/main">
+    <mc:Choice Requires="p14">
       <p:transition spd="slow" p14:dur="2000" advClick="0" advTm="5000"/>
     </mc:Choice>
-    <mc:Fallback>
+    <mc:Fallback xmlns="">
       <p:transition spd="slow" advClick="0" advTm="5000"/>
     </mc:Fallback>
   </mc:AlternateContent>
@@ -23480,6 +23694,11 @@
       <p:bldP spid="8" grpId="0" animBg="1"/>
     </p:bldLst>
   </p:timing>
+  <p:extLst>
+    <p:ext uri="{6950BFC3-D8DA-4A85-94F7-54DA5524770B}">
+      <p188:commentRel xmlns:p188="http://schemas.microsoft.com/office/powerpoint/2018/8/main" r:id="rId3"/>
+    </p:ext>
+  </p:extLst>
 </p:sld>
 </file>
 
@@ -23852,7 +24071,7 @@
           <p:nvPr/>
         </p:nvPicPr>
         <p:blipFill>
-          <a:blip r:embed="rId3">
+          <a:blip r:embed="rId4">
             <a:extLst>
               <a:ext uri="{28A0092B-C50C-407E-A947-70E740481C1C}">
                 <a14:useLocalDpi xmlns:a14="http://schemas.microsoft.com/office/drawing/2010/main" val="0"/>
@@ -23891,7 +24110,7 @@
           <p:nvPr/>
         </p:nvPicPr>
         <p:blipFill>
-          <a:blip r:embed="rId4">
+          <a:blip r:embed="rId5">
             <a:extLst>
               <a:ext uri="{28A0092B-C50C-407E-A947-70E740481C1C}">
                 <a14:useLocalDpi xmlns:a14="http://schemas.microsoft.com/office/drawing/2010/main" val="0"/>
@@ -23925,11 +24144,11 @@
   <p:clrMapOvr>
     <a:masterClrMapping/>
   </p:clrMapOvr>
-  <mc:AlternateContent xmlns:mc="http://schemas.openxmlformats.org/markup-compatibility/2006">
-    <mc:Choice xmlns:p14="http://schemas.microsoft.com/office/powerpoint/2010/main" Requires="p14">
+  <mc:AlternateContent xmlns:mc="http://schemas.openxmlformats.org/markup-compatibility/2006" xmlns:p14="http://schemas.microsoft.com/office/powerpoint/2010/main">
+    <mc:Choice Requires="p14">
       <p:transition spd="slow" p14:dur="2000" advClick="0" advTm="5000"/>
     </mc:Choice>
-    <mc:Fallback>
+    <mc:Fallback xmlns="">
       <p:transition spd="slow" advClick="0" advTm="5000"/>
     </mc:Fallback>
   </mc:AlternateContent>
@@ -24102,6 +24321,11 @@
       </p:par>
     </p:tnLst>
   </p:timing>
+  <p:extLst>
+    <p:ext uri="{6950BFC3-D8DA-4A85-94F7-54DA5524770B}">
+      <p188:commentRel xmlns:p188="http://schemas.microsoft.com/office/powerpoint/2018/8/main" r:id="rId3"/>
+    </p:ext>
+  </p:extLst>
 </p:sld>
 </file>
 
@@ -24487,11 +24711,11 @@
   <p:clrMapOvr>
     <a:masterClrMapping/>
   </p:clrMapOvr>
-  <mc:AlternateContent xmlns:mc="http://schemas.openxmlformats.org/markup-compatibility/2006">
-    <mc:Choice xmlns:p14="http://schemas.microsoft.com/office/powerpoint/2010/main" Requires="p14">
+  <mc:AlternateContent xmlns:mc="http://schemas.openxmlformats.org/markup-compatibility/2006" xmlns:p14="http://schemas.microsoft.com/office/powerpoint/2010/main">
+    <mc:Choice Requires="p14">
       <p:transition spd="slow" p14:dur="2000" advClick="0" advTm="5000"/>
     </mc:Choice>
-    <mc:Fallback>
+    <mc:Fallback xmlns="">
       <p:transition spd="slow" advClick="0" advTm="5000"/>
     </mc:Fallback>
   </mc:AlternateContent>
@@ -26659,15 +26883,15 @@
             </a:r>
             <a:r>
               <a:rPr lang="bg-BG" sz="3600" dirty="0"/>
-              <a:t>, за може </a:t>
+              <a:t>, за да може </a:t>
             </a:r>
             <a:r>
               <a:rPr lang="bg-BG" sz="3600" b="1" dirty="0"/>
-              <a:t>уеб сайтът</a:t>
+              <a:t>уеб страниците</a:t>
             </a:r>
             <a:r>
               <a:rPr lang="bg-BG" sz="3600" dirty="0"/>
-              <a:t> да бъде</a:t>
+              <a:t> да бъдат</a:t>
             </a:r>
             <a:r>
               <a:rPr lang="en-US" sz="3600" dirty="0"/>
@@ -26682,7 +26906,7 @@
                   <a:schemeClr val="bg1"/>
                 </a:solidFill>
               </a:rPr>
-              <a:t>Удобен</a:t>
+              <a:t>Удобни</a:t>
             </a:r>
             <a:r>
               <a:rPr lang="bg-BG" sz="3400" dirty="0"/>
@@ -26696,25 +26920,6 @@
           <a:p>
             <a:pPr lvl="1"/>
             <a:r>
-              <a:rPr lang="bg-BG" sz="3400" b="1" dirty="0">
-                <a:solidFill>
-                  <a:schemeClr val="bg1"/>
-                </a:solidFill>
-              </a:rPr>
-              <a:t>Лесен</a:t>
-            </a:r>
-            <a:r>
-              <a:rPr lang="bg-BG" sz="3400" dirty="0"/>
-              <a:t> за </a:t>
-            </a:r>
-            <a:r>
-              <a:rPr lang="bg-BG" sz="3400" b="1" dirty="0"/>
-              <a:t>навигация</a:t>
-            </a:r>
-          </a:p>
-          <a:p>
-            <a:pPr lvl="1"/>
-            <a:r>
               <a:rPr lang="bg-BG" sz="3400" b="1" dirty="0"/>
               <a:t>Визуално </a:t>
             </a:r>
@@ -26724,7 +26929,7 @@
                   <a:schemeClr val="bg1"/>
                 </a:solidFill>
               </a:rPr>
-              <a:t>привлекателен</a:t>
+              <a:t>привлекателни</a:t>
             </a:r>
           </a:p>
           <a:p>
@@ -26735,7 +26940,7 @@
                   <a:schemeClr val="bg1"/>
                 </a:solidFill>
               </a:rPr>
-              <a:t>Съвместим</a:t>
+              <a:t>Съвместими</a:t>
             </a:r>
             <a:r>
               <a:rPr lang="bg-BG" sz="3400" dirty="0"/>
@@ -26753,14 +26958,6 @@
               <a:rPr lang="bg-BG" sz="3400" b="1" dirty="0"/>
               <a:t>потребности</a:t>
             </a:r>
-          </a:p>
-          <a:p>
-            <a:pPr>
-              <a:buClr>
-                <a:schemeClr val="tx1"/>
-              </a:buClr>
-            </a:pPr>
-            <a:endParaRPr lang="en-US" sz="3400" dirty="0"/>
           </a:p>
         </p:txBody>
       </p:sp>
@@ -26824,7 +27021,7 @@
         </p:blipFill>
         <p:spPr>
           <a:xfrm>
-            <a:off x="8795334" y="2070508"/>
+            <a:off x="8812875" y="2124000"/>
             <a:ext cx="2953125" cy="3780000"/>
           </a:xfrm>
           <a:prstGeom prst="rect">
@@ -26901,39 +27098,26 @@
                                   </p:childTnLst>
                                 </p:cTn>
                               </p:par>
+                            </p:childTnLst>
+                          </p:cTn>
+                        </p:par>
+                      </p:childTnLst>
+                    </p:cTn>
+                  </p:par>
+                  <p:par>
+                    <p:cTn id="7" fill="hold">
+                      <p:stCondLst>
+                        <p:cond delay="indefinite"/>
+                      </p:stCondLst>
+                      <p:childTnLst>
+                        <p:par>
+                          <p:cTn id="8" fill="hold">
+                            <p:stCondLst>
+                              <p:cond delay="0"/>
+                            </p:stCondLst>
+                            <p:childTnLst>
                               <p:par>
-                                <p:cTn id="7" presetID="1" presetClass="entr" presetSubtype="0" fill="hold" nodeType="withEffect">
-                                  <p:stCondLst>
-                                    <p:cond delay="0"/>
-                                  </p:stCondLst>
-                                  <p:childTnLst>
-                                    <p:set>
-                                      <p:cBhvr>
-                                        <p:cTn id="8" dur="1" fill="hold">
-                                          <p:stCondLst>
-                                            <p:cond delay="0"/>
-                                          </p:stCondLst>
-                                        </p:cTn>
-                                        <p:tgtEl>
-                                          <p:spTgt spid="7">
-                                            <p:txEl>
-                                              <p:pRg st="2" end="2"/>
-                                            </p:txEl>
-                                          </p:spTgt>
-                                        </p:tgtEl>
-                                        <p:attrNameLst>
-                                          <p:attrName>style.visibility</p:attrName>
-                                        </p:attrNameLst>
-                                      </p:cBhvr>
-                                      <p:to>
-                                        <p:strVal val="visible"/>
-                                      </p:to>
-                                    </p:set>
-                                  </p:childTnLst>
-                                </p:cTn>
-                              </p:par>
-                              <p:par>
-                                <p:cTn id="9" presetID="1" presetClass="entr" presetSubtype="0" fill="hold" nodeType="withEffect">
+                                <p:cTn id="9" presetID="1" presetClass="entr" presetSubtype="0" fill="hold" nodeType="clickEffect">
                                   <p:stCondLst>
                                     <p:cond delay="0"/>
                                   </p:stCondLst>
@@ -26948,7 +27132,7 @@
                                         <p:tgtEl>
                                           <p:spTgt spid="7">
                                             <p:txEl>
-                                              <p:pRg st="3" end="3"/>
+                                              <p:pRg st="2" end="2"/>
                                             </p:txEl>
                                           </p:spTgt>
                                         </p:tgtEl>
@@ -26979,7 +27163,7 @@
                                         <p:tgtEl>
                                           <p:spTgt spid="7">
                                             <p:txEl>
-                                              <p:pRg st="4" end="4"/>
+                                              <p:pRg st="3" end="3"/>
                                             </p:txEl>
                                           </p:spTgt>
                                         </p:tgtEl>

--- a/Courses/Software-Sciences/IT-Module-3-Web-Design/05-Web-Pages-Design/05-Web-Pages-Design.pptx
+++ b/Courses/Software-Sciences/IT-Module-3-Web-Design/05-Web-Pages-Design/05-Web-Pages-Design.pptx
@@ -5,10 +5,10 @@
     <p:sldMasterId id="2147483675" r:id="rId1"/>
   </p:sldMasterIdLst>
   <p:notesMasterIdLst>
-    <p:notesMasterId r:id="rId38"/>
+    <p:notesMasterId r:id="rId41"/>
   </p:notesMasterIdLst>
   <p:handoutMasterIdLst>
-    <p:handoutMasterId r:id="rId39"/>
+    <p:handoutMasterId r:id="rId42"/>
   </p:handoutMasterIdLst>
   <p:sldIdLst>
     <p:sldId id="503" r:id="rId2"/>
@@ -41,12 +41,15 @@
     <p:sldId id="857" r:id="rId29"/>
     <p:sldId id="858" r:id="rId30"/>
     <p:sldId id="861" r:id="rId31"/>
-    <p:sldId id="863" r:id="rId32"/>
-    <p:sldId id="860" r:id="rId33"/>
-    <p:sldId id="836" r:id="rId34"/>
-    <p:sldId id="633" r:id="rId35"/>
-    <p:sldId id="504" r:id="rId36"/>
-    <p:sldId id="505" r:id="rId37"/>
+    <p:sldId id="866" r:id="rId32"/>
+    <p:sldId id="868" r:id="rId33"/>
+    <p:sldId id="863" r:id="rId34"/>
+    <p:sldId id="867" r:id="rId35"/>
+    <p:sldId id="860" r:id="rId36"/>
+    <p:sldId id="836" r:id="rId37"/>
+    <p:sldId id="633" r:id="rId38"/>
+    <p:sldId id="504" r:id="rId39"/>
+    <p:sldId id="505" r:id="rId40"/>
   </p:sldIdLst>
   <p:sldSz cx="12192000" cy="6858000"/>
   <p:notesSz cx="6858000" cy="9144000"/>
@@ -204,7 +207,10 @@
             <p14:sldId id="857"/>
             <p14:sldId id="858"/>
             <p14:sldId id="861"/>
+            <p14:sldId id="866"/>
+            <p14:sldId id="868"/>
             <p14:sldId id="863"/>
+            <p14:sldId id="867"/>
             <p14:sldId id="860"/>
             <p14:sldId id="836"/>
           </p14:sldIdLst>
@@ -264,89 +270,6 @@
 </p:cmAuthorLst>
 </file>
 
-<file path=ppt/comments/modernComment_358_D829CF31.xml><?xml version="1.0" encoding="utf-8"?>
-<p188:cmLst xmlns:a="http://schemas.openxmlformats.org/drawingml/2006/main" xmlns:r="http://schemas.openxmlformats.org/officeDocument/2006/relationships" xmlns:p188="http://schemas.microsoft.com/office/powerpoint/2018/8/main">
-  <p188:cm id="{87662D8D-81AF-48B0-A380-E9DEB87A4765}" authorId="{CB4BF2F8-D32F-9387-A6CE-368ED6EFDCF0}" created="2025-11-21T10:49:52.370">
-    <ac:deMkLst xmlns:ac="http://schemas.microsoft.com/office/drawing/2013/main/command">
-      <pc:docMk xmlns:pc="http://schemas.microsoft.com/office/powerpoint/2013/main/command"/>
-      <pc:sldMk xmlns:pc="http://schemas.microsoft.com/office/powerpoint/2013/main/command" cId="3626618673" sldId="856"/>
-      <ac:spMk id="4" creationId="{58EFFA6B-E941-CD02-0160-B57EC237EBD8}"/>
-    </ac:deMkLst>
-    <p188:txBody>
-      <a:bodyPr/>
-      <a:lstStyle/>
-      <a:p>
-        <a:r>
-          <a:rPr lang="en-GB"/>
-          <a:t>Акцентите да са отделни фигури с анимации</a:t>
-        </a:r>
-      </a:p>
-    </p188:txBody>
-  </p188:cm>
-</p188:cmLst>
-</file>
-
-<file path=ppt/comments/modernComment_35D_D5DBC4F0.xml><?xml version="1.0" encoding="utf-8"?>
-<p188:cmLst xmlns:a="http://schemas.openxmlformats.org/drawingml/2006/main" xmlns:r="http://schemas.openxmlformats.org/officeDocument/2006/relationships" xmlns:p188="http://schemas.microsoft.com/office/powerpoint/2018/8/main">
-  <p188:cm id="{9948103B-3533-42F6-B2D5-782DF7180215}" authorId="{CB4BF2F8-D32F-9387-A6CE-368ED6EFDCF0}" created="2025-11-21T10:51:27.942">
-    <ac:deMkLst xmlns:ac="http://schemas.microsoft.com/office/drawing/2013/main/command">
-      <pc:docMk xmlns:pc="http://schemas.microsoft.com/office/powerpoint/2013/main/command"/>
-      <pc:sldMk xmlns:pc="http://schemas.microsoft.com/office/powerpoint/2013/main/command" cId="3587949808" sldId="861"/>
-      <ac:picMk id="11" creationId="{C251B3E1-C3D1-89CD-F0F4-789682E08090}"/>
-    </ac:deMkLst>
-    <p188:txBody>
-      <a:bodyPr/>
-      <a:lstStyle/>
-      <a:p>
-        <a:r>
-          <a:rPr lang="en-GB"/>
-          <a:t>Нека изображението да е placeholder</a:t>
-        </a:r>
-      </a:p>
-    </p188:txBody>
-  </p188:cm>
-  <p188:cm id="{AC988AF6-368C-4031-AB9C-720B25DB8E4A}" authorId="{CB4BF2F8-D32F-9387-A6CE-368ED6EFDCF0}" created="2025-11-21T10:52:15.779">
-    <ac:deMkLst xmlns:ac="http://schemas.microsoft.com/office/drawing/2013/main/command">
-      <pc:docMk xmlns:pc="http://schemas.microsoft.com/office/powerpoint/2013/main/command"/>
-      <pc:sldMk xmlns:pc="http://schemas.microsoft.com/office/powerpoint/2013/main/command" cId="3587949808" sldId="861"/>
-      <ac:picMk id="7" creationId="{C7A9BD49-046F-2415-3C85-F40FF5B63F10}"/>
-    </ac:deMkLst>
-    <p188:txBody>
-      <a:bodyPr/>
-      <a:lstStyle/>
-      <a:p>
-        <a:r>
-          <a:rPr lang="en-GB"/>
-          <a:t>Също логото да е с placeholder</a:t>
-        </a:r>
-      </a:p>
-    </p188:txBody>
-  </p188:cm>
-</p188:cmLst>
-</file>
-
-<file path=ppt/comments/modernComment_35F_63CB320C.xml><?xml version="1.0" encoding="utf-8"?>
-<p188:cmLst xmlns:a="http://schemas.openxmlformats.org/drawingml/2006/main" xmlns:r="http://schemas.openxmlformats.org/officeDocument/2006/relationships" xmlns:p188="http://schemas.microsoft.com/office/powerpoint/2018/8/main">
-  <p188:cm id="{63474D5B-5794-4D4B-B294-B44BC236949A}" authorId="{CB4BF2F8-D32F-9387-A6CE-368ED6EFDCF0}" created="2025-11-21T10:54:12.050">
-    <ac:deMkLst xmlns:ac="http://schemas.microsoft.com/office/drawing/2013/main/command">
-      <pc:docMk xmlns:pc="http://schemas.microsoft.com/office/powerpoint/2013/main/command"/>
-      <pc:sldMk xmlns:pc="http://schemas.microsoft.com/office/powerpoint/2013/main/command" cId="1674261004" sldId="863"/>
-      <ac:picMk id="5" creationId="{C3120F3C-AAE4-3A55-E50D-BFDB9257AB15}"/>
-    </ac:deMkLst>
-    <p188:txBody>
-      <a:bodyPr/>
-      <a:lstStyle/>
-      <a:p>
-        <a:r>
-          <a:rPr lang="en-GB"/>
-          <a:t>Маршрутите да се оформят като картички</a:t>
-        </a:r>
-      </a:p>
-    </p188:txBody>
-  </p188:cm>
-</p188:cmLst>
-</file>
-
 <file path=ppt/handoutMasters/handoutMaster1.xml><?xml version="1.0" encoding="utf-8"?>
 <p:handoutMaster xmlns:a="http://schemas.openxmlformats.org/drawingml/2006/main" xmlns:r="http://schemas.openxmlformats.org/officeDocument/2006/relationships" xmlns:p="http://schemas.openxmlformats.org/presentationml/2006/main">
   <p:cSld>
@@ -441,7 +364,7 @@
           <a:p>
             <a:fld id="{4E087215-0C8F-4762-A664-737A353EC9A4}" type="datetimeFigureOut">
               <a:rPr lang="bg-BG" smtClean="0"/>
-              <a:t>21.11.2025 г.</a:t>
+              <a:t>27.11.25 г.</a:t>
             </a:fld>
             <a:endParaRPr lang="bg-BG"/>
           </a:p>
@@ -637,7 +560,7 @@
           <a:p>
             <a:fld id="{72D84649-876A-46C9-8472-14CB09C070D8}" type="datetimeFigureOut">
               <a:rPr lang="en-US" smtClean="0"/>
-              <a:t>11/21/2025</a:t>
+              <a:t>11/27/25</a:t>
             </a:fld>
             <a:endParaRPr lang="en-US"/>
           </a:p>
@@ -4747,7 +4670,7 @@
     </p:spTree>
     <p:extLst>
       <p:ext uri="{BB962C8B-B14F-4D97-AF65-F5344CB8AC3E}">
-        <p14:creationId xmlns:p14="http://schemas.microsoft.com/office/powerpoint/2010/main" val="3522621242"/>
+        <p14:creationId xmlns:p14="http://schemas.microsoft.com/office/powerpoint/2010/main" val="1025217253"/>
       </p:ext>
     </p:extLst>
   </p:cSld>
@@ -4977,7 +4900,7 @@
     </p:spTree>
     <p:extLst>
       <p:ext uri="{BB962C8B-B14F-4D97-AF65-F5344CB8AC3E}">
-        <p14:creationId xmlns:p14="http://schemas.microsoft.com/office/powerpoint/2010/main" val="64922222"/>
+        <p14:creationId xmlns:p14="http://schemas.microsoft.com/office/powerpoint/2010/main" val="3949118372"/>
       </p:ext>
     </p:extLst>
   </p:cSld>
@@ -5207,7 +5130,7 @@
     </p:spTree>
     <p:extLst>
       <p:ext uri="{BB962C8B-B14F-4D97-AF65-F5344CB8AC3E}">
-        <p14:creationId xmlns:p14="http://schemas.microsoft.com/office/powerpoint/2010/main" val="2202156503"/>
+        <p14:creationId xmlns:p14="http://schemas.microsoft.com/office/powerpoint/2010/main" val="3522621242"/>
       </p:ext>
     </p:extLst>
   </p:cSld>
@@ -5261,16 +5184,16 @@
           <a:bodyPr/>
           <a:lstStyle/>
           <a:p>
-            <a:endParaRPr lang="en-US" dirty="0"/>
+            <a:endParaRPr lang="en-US"/>
           </a:p>
         </p:txBody>
       </p:sp>
       <p:sp>
         <p:nvSpPr>
-          <p:cNvPr id="7" name="Slide Number Placeholder 5">
+          <p:cNvPr id="6" name="Slide Number Placeholder 5">
             <a:extLst>
               <a:ext uri="{FF2B5EF4-FFF2-40B4-BE49-F238E27FC236}">
-                <a16:creationId xmlns:a16="http://schemas.microsoft.com/office/drawing/2014/main" id="{E65F1CA9-65DC-416B-8882-B3A5E415CE67}"/>
+                <a16:creationId xmlns:a16="http://schemas.microsoft.com/office/drawing/2014/main" id="{973EF363-177A-44DE-80E9-FC9248B7DCA2}"/>
               </a:ext>
             </a:extLst>
           </p:cNvPr>
@@ -5397,10 +5320,10 @@
       </p:sp>
       <p:sp>
         <p:nvSpPr>
-          <p:cNvPr id="5" name="Footer Placeholder 7">
+          <p:cNvPr id="4" name="Footer Placeholder 3">
             <a:extLst>
               <a:ext uri="{FF2B5EF4-FFF2-40B4-BE49-F238E27FC236}">
-                <a16:creationId xmlns:a16="http://schemas.microsoft.com/office/drawing/2014/main" id="{43FAF785-0C8D-730E-8E59-68198DC82CE0}"/>
+                <a16:creationId xmlns:a16="http://schemas.microsoft.com/office/drawing/2014/main" id="{8EE613EE-6697-4964-A067-C2136C00C834}"/>
               </a:ext>
             </a:extLst>
           </p:cNvPr>
@@ -5411,49 +5334,33 @@
             <p:ph type="ftr" sz="quarter" idx="4"/>
           </p:nvPr>
         </p:nvSpPr>
-        <p:spPr>
-          <a:xfrm>
-            <a:off x="-1" y="8892000"/>
-            <a:ext cx="6488999" cy="252000"/>
-          </a:xfrm>
-          <a:prstGeom prst="rect">
-            <a:avLst/>
-          </a:prstGeom>
-        </p:spPr>
+        <p:spPr/>
         <p:txBody>
-          <a:bodyPr vert="horz" lIns="91440" tIns="45720" rIns="91440" bIns="45720" rtlCol="0" anchor="b"/>
-          <a:lstStyle>
-            <a:lvl1pPr algn="l">
-              <a:defRPr sz="1100"/>
-            </a:lvl1pPr>
-          </a:lstStyle>
-          <a:p>
-            <a:r>
-              <a:rPr lang="bg-BG" sz="1100" dirty="0"/>
-              <a:t>Работна група </a:t>
-            </a:r>
-            <a:r>
-              <a:rPr lang="bg-BG" dirty="0"/>
-              <a:t>"Образование по програмиране и ИТ"</a:t>
-            </a:r>
-            <a:r>
-              <a:rPr lang="bg-BG" sz="1100" dirty="0"/>
-              <a:t>, с подкрепата на </a:t>
-            </a:r>
-            <a:r>
-              <a:rPr lang="en-US" sz="1100" dirty="0">
+          <a:bodyPr/>
+          <a:lstStyle/>
+          <a:p>
+            <a:r>
+              <a:rPr lang="en-US"/>
+              <a:t>© SoftUni – </a:t>
+            </a:r>
+            <a:r>
+              <a:rPr lang="en-US" u="sng">
                 <a:hlinkClick r:id="rId3"/>
               </a:rPr>
-              <a:t>SoftUni</a:t>
-            </a:r>
-            <a:endParaRPr lang="en-US" sz="1100" dirty="0"/>
+              <a:t>https://softuni.org</a:t>
+            </a:r>
+            <a:r>
+              <a:rPr lang="en-US"/>
+              <a:t>. Copyrighted document. Unauthorized copy or reproduction is not permitted.</a:t>
+            </a:r>
+            <a:endParaRPr lang="en-US" dirty="0"/>
           </a:p>
         </p:txBody>
       </p:sp>
     </p:spTree>
     <p:extLst>
       <p:ext uri="{BB962C8B-B14F-4D97-AF65-F5344CB8AC3E}">
-        <p14:creationId xmlns:p14="http://schemas.microsoft.com/office/powerpoint/2010/main" val="2689344733"/>
+        <p14:creationId xmlns:p14="http://schemas.microsoft.com/office/powerpoint/2010/main" val="885134743"/>
       </p:ext>
     </p:extLst>
   </p:cSld>
@@ -5507,16 +5414,16 @@
           <a:bodyPr/>
           <a:lstStyle/>
           <a:p>
-            <a:endParaRPr lang="en-US" dirty="0"/>
+            <a:endParaRPr lang="en-US"/>
           </a:p>
         </p:txBody>
       </p:sp>
       <p:sp>
         <p:nvSpPr>
-          <p:cNvPr id="7" name="Slide Number Placeholder 5">
+          <p:cNvPr id="6" name="Slide Number Placeholder 5">
             <a:extLst>
               <a:ext uri="{FF2B5EF4-FFF2-40B4-BE49-F238E27FC236}">
-                <a16:creationId xmlns:a16="http://schemas.microsoft.com/office/drawing/2014/main" id="{5049B984-F964-47FF-8179-0A3007CE21CD}"/>
+                <a16:creationId xmlns:a16="http://schemas.microsoft.com/office/drawing/2014/main" id="{973EF363-177A-44DE-80E9-FC9248B7DCA2}"/>
               </a:ext>
             </a:extLst>
           </p:cNvPr>
@@ -5646,7 +5553,7 @@
           <p:cNvPr id="4" name="Footer Placeholder 3">
             <a:extLst>
               <a:ext uri="{FF2B5EF4-FFF2-40B4-BE49-F238E27FC236}">
-                <a16:creationId xmlns:a16="http://schemas.microsoft.com/office/drawing/2014/main" id="{8E059BE0-D868-413B-AAA1-1CC88D1F52C5}"/>
+                <a16:creationId xmlns:a16="http://schemas.microsoft.com/office/drawing/2014/main" id="{8EE613EE-6697-4964-A067-C2136C00C834}"/>
               </a:ext>
             </a:extLst>
           </p:cNvPr>
@@ -5683,7 +5590,7 @@
     </p:spTree>
     <p:extLst>
       <p:ext uri="{BB962C8B-B14F-4D97-AF65-F5344CB8AC3E}">
-        <p14:creationId xmlns:p14="http://schemas.microsoft.com/office/powerpoint/2010/main" val="3466590374"/>
+        <p14:creationId xmlns:p14="http://schemas.microsoft.com/office/powerpoint/2010/main" val="64922222"/>
       </p:ext>
     </p:extLst>
   </p:cSld>
@@ -5746,7 +5653,7 @@
           <p:cNvPr id="6" name="Slide Number Placeholder 5">
             <a:extLst>
               <a:ext uri="{FF2B5EF4-FFF2-40B4-BE49-F238E27FC236}">
-                <a16:creationId xmlns:a16="http://schemas.microsoft.com/office/drawing/2014/main" id="{6627548A-4D3C-449B-81A5-FA4BE4628490}"/>
+                <a16:creationId xmlns:a16="http://schemas.microsoft.com/office/drawing/2014/main" id="{973EF363-177A-44DE-80E9-FC9248B7DCA2}"/>
               </a:ext>
             </a:extLst>
           </p:cNvPr>
@@ -5876,7 +5783,7 @@
           <p:cNvPr id="4" name="Footer Placeholder 3">
             <a:extLst>
               <a:ext uri="{FF2B5EF4-FFF2-40B4-BE49-F238E27FC236}">
-                <a16:creationId xmlns:a16="http://schemas.microsoft.com/office/drawing/2014/main" id="{D2472CE7-61C1-4B7B-B0C8-5A45F0178717}"/>
+                <a16:creationId xmlns:a16="http://schemas.microsoft.com/office/drawing/2014/main" id="{8EE613EE-6697-4964-A067-C2136C00C834}"/>
               </a:ext>
             </a:extLst>
           </p:cNvPr>
@@ -5913,7 +5820,7 @@
     </p:spTree>
     <p:extLst>
       <p:ext uri="{BB962C8B-B14F-4D97-AF65-F5344CB8AC3E}">
-        <p14:creationId xmlns:p14="http://schemas.microsoft.com/office/powerpoint/2010/main" val="3648844402"/>
+        <p14:creationId xmlns:p14="http://schemas.microsoft.com/office/powerpoint/2010/main" val="2202156503"/>
       </p:ext>
     </p:extLst>
   </p:cSld>
@@ -6144,6 +6051,712 @@
     <p:extLst>
       <p:ext uri="{BB962C8B-B14F-4D97-AF65-F5344CB8AC3E}">
         <p14:creationId xmlns:p14="http://schemas.microsoft.com/office/powerpoint/2010/main" val="1321098562"/>
+      </p:ext>
+    </p:extLst>
+  </p:cSld>
+  <p:clrMapOvr>
+    <a:masterClrMapping/>
+  </p:clrMapOvr>
+</p:notes>
+</file>
+
+<file path=ppt/notesSlides/notesSlide30.xml><?xml version="1.0" encoding="utf-8"?>
+<p:notes xmlns:a="http://schemas.openxmlformats.org/drawingml/2006/main" xmlns:r="http://schemas.openxmlformats.org/officeDocument/2006/relationships" xmlns:p="http://schemas.openxmlformats.org/presentationml/2006/main">
+  <p:cSld>
+    <p:spTree>
+      <p:nvGrpSpPr>
+        <p:cNvPr id="1" name=""/>
+        <p:cNvGrpSpPr/>
+        <p:nvPr/>
+      </p:nvGrpSpPr>
+      <p:grpSpPr>
+        <a:xfrm>
+          <a:off x="0" y="0"/>
+          <a:ext cx="0" cy="0"/>
+          <a:chOff x="0" y="0"/>
+          <a:chExt cx="0" cy="0"/>
+        </a:xfrm>
+      </p:grpSpPr>
+      <p:sp>
+        <p:nvSpPr>
+          <p:cNvPr id="2" name="Slide Image Placeholder 1"/>
+          <p:cNvSpPr>
+            <a:spLocks noGrp="1" noRot="1" noChangeAspect="1"/>
+          </p:cNvSpPr>
+          <p:nvPr>
+            <p:ph type="sldImg"/>
+          </p:nvPr>
+        </p:nvSpPr>
+        <p:spPr/>
+      </p:sp>
+      <p:sp>
+        <p:nvSpPr>
+          <p:cNvPr id="3" name="Notes Placeholder 2"/>
+          <p:cNvSpPr>
+            <a:spLocks noGrp="1"/>
+          </p:cNvSpPr>
+          <p:nvPr>
+            <p:ph type="body" idx="1"/>
+          </p:nvPr>
+        </p:nvSpPr>
+        <p:spPr/>
+        <p:txBody>
+          <a:bodyPr/>
+          <a:lstStyle/>
+          <a:p>
+            <a:endParaRPr lang="en-US" dirty="0"/>
+          </a:p>
+        </p:txBody>
+      </p:sp>
+      <p:sp>
+        <p:nvSpPr>
+          <p:cNvPr id="7" name="Slide Number Placeholder 5">
+            <a:extLst>
+              <a:ext uri="{FF2B5EF4-FFF2-40B4-BE49-F238E27FC236}">
+                <a16:creationId xmlns:a16="http://schemas.microsoft.com/office/drawing/2014/main" id="{E65F1CA9-65DC-416B-8882-B3A5E415CE67}"/>
+              </a:ext>
+            </a:extLst>
+          </p:cNvPr>
+          <p:cNvSpPr txBox="1">
+            <a:spLocks/>
+          </p:cNvSpPr>
+          <p:nvPr/>
+        </p:nvSpPr>
+        <p:spPr>
+          <a:xfrm>
+            <a:off x="6488999" y="8847000"/>
+            <a:ext cx="367414" cy="297000"/>
+          </a:xfrm>
+          <a:prstGeom prst="rect">
+            <a:avLst/>
+          </a:prstGeom>
+        </p:spPr>
+        <p:txBody>
+          <a:bodyPr vert="horz" lIns="91440" tIns="45720" rIns="91440" bIns="45720" rtlCol="0" anchor="b"/>
+          <a:lstStyle>
+            <a:defPPr>
+              <a:defRPr lang="en-US"/>
+            </a:defPPr>
+            <a:lvl1pPr marL="0" algn="r" defTabSz="914400" rtl="0" eaLnBrk="1" latinLnBrk="0" hangingPunct="1">
+              <a:defRPr sz="1200" kern="1200">
+                <a:solidFill>
+                  <a:schemeClr val="tx1"/>
+                </a:solidFill>
+                <a:latin typeface="+mn-lt"/>
+                <a:ea typeface="+mn-ea"/>
+                <a:cs typeface="+mn-cs"/>
+              </a:defRPr>
+            </a:lvl1pPr>
+            <a:lvl2pPr marL="457200" algn="l" defTabSz="914400" rtl="0" eaLnBrk="1" latinLnBrk="0" hangingPunct="1">
+              <a:defRPr sz="1800" kern="1200">
+                <a:solidFill>
+                  <a:schemeClr val="tx1"/>
+                </a:solidFill>
+                <a:latin typeface="+mn-lt"/>
+                <a:ea typeface="+mn-ea"/>
+                <a:cs typeface="+mn-cs"/>
+              </a:defRPr>
+            </a:lvl2pPr>
+            <a:lvl3pPr marL="914400" algn="l" defTabSz="914400" rtl="0" eaLnBrk="1" latinLnBrk="0" hangingPunct="1">
+              <a:defRPr sz="1800" kern="1200">
+                <a:solidFill>
+                  <a:schemeClr val="tx1"/>
+                </a:solidFill>
+                <a:latin typeface="+mn-lt"/>
+                <a:ea typeface="+mn-ea"/>
+                <a:cs typeface="+mn-cs"/>
+              </a:defRPr>
+            </a:lvl3pPr>
+            <a:lvl4pPr marL="1371600" algn="l" defTabSz="914400" rtl="0" eaLnBrk="1" latinLnBrk="0" hangingPunct="1">
+              <a:defRPr sz="1800" kern="1200">
+                <a:solidFill>
+                  <a:schemeClr val="tx1"/>
+                </a:solidFill>
+                <a:latin typeface="+mn-lt"/>
+                <a:ea typeface="+mn-ea"/>
+                <a:cs typeface="+mn-cs"/>
+              </a:defRPr>
+            </a:lvl4pPr>
+            <a:lvl5pPr marL="1828800" algn="l" defTabSz="914400" rtl="0" eaLnBrk="1" latinLnBrk="0" hangingPunct="1">
+              <a:defRPr sz="1800" kern="1200">
+                <a:solidFill>
+                  <a:schemeClr val="tx1"/>
+                </a:solidFill>
+                <a:latin typeface="+mn-lt"/>
+                <a:ea typeface="+mn-ea"/>
+                <a:cs typeface="+mn-cs"/>
+              </a:defRPr>
+            </a:lvl5pPr>
+            <a:lvl6pPr marL="2286000" algn="l" defTabSz="914400" rtl="0" eaLnBrk="1" latinLnBrk="0" hangingPunct="1">
+              <a:defRPr sz="1800" kern="1200">
+                <a:solidFill>
+                  <a:schemeClr val="tx1"/>
+                </a:solidFill>
+                <a:latin typeface="+mn-lt"/>
+                <a:ea typeface="+mn-ea"/>
+                <a:cs typeface="+mn-cs"/>
+              </a:defRPr>
+            </a:lvl6pPr>
+            <a:lvl7pPr marL="2743200" algn="l" defTabSz="914400" rtl="0" eaLnBrk="1" latinLnBrk="0" hangingPunct="1">
+              <a:defRPr sz="1800" kern="1200">
+                <a:solidFill>
+                  <a:schemeClr val="tx1"/>
+                </a:solidFill>
+                <a:latin typeface="+mn-lt"/>
+                <a:ea typeface="+mn-ea"/>
+                <a:cs typeface="+mn-cs"/>
+              </a:defRPr>
+            </a:lvl7pPr>
+            <a:lvl8pPr marL="3200400" algn="l" defTabSz="914400" rtl="0" eaLnBrk="1" latinLnBrk="0" hangingPunct="1">
+              <a:defRPr sz="1800" kern="1200">
+                <a:solidFill>
+                  <a:schemeClr val="tx1"/>
+                </a:solidFill>
+                <a:latin typeface="+mn-lt"/>
+                <a:ea typeface="+mn-ea"/>
+                <a:cs typeface="+mn-cs"/>
+              </a:defRPr>
+            </a:lvl8pPr>
+            <a:lvl9pPr marL="3657600" algn="l" defTabSz="914400" rtl="0" eaLnBrk="1" latinLnBrk="0" hangingPunct="1">
+              <a:defRPr sz="1800" kern="1200">
+                <a:solidFill>
+                  <a:schemeClr val="tx1"/>
+                </a:solidFill>
+                <a:latin typeface="+mn-lt"/>
+                <a:ea typeface="+mn-ea"/>
+                <a:cs typeface="+mn-cs"/>
+              </a:defRPr>
+            </a:lvl9pPr>
+          </a:lstStyle>
+          <a:p>
+            <a:fld id="{3EBA5BD7-F043-4D1B-AA17-CD412FC534DE}" type="slidenum">
+              <a:rPr lang="en-US" smtClean="0"/>
+              <a:pPr/>
+              <a:t>37</a:t>
+            </a:fld>
+            <a:endParaRPr lang="en-US" dirty="0"/>
+          </a:p>
+        </p:txBody>
+      </p:sp>
+      <p:sp>
+        <p:nvSpPr>
+          <p:cNvPr id="5" name="Footer Placeholder 7">
+            <a:extLst>
+              <a:ext uri="{FF2B5EF4-FFF2-40B4-BE49-F238E27FC236}">
+                <a16:creationId xmlns:a16="http://schemas.microsoft.com/office/drawing/2014/main" id="{43FAF785-0C8D-730E-8E59-68198DC82CE0}"/>
+              </a:ext>
+            </a:extLst>
+          </p:cNvPr>
+          <p:cNvSpPr>
+            <a:spLocks noGrp="1"/>
+          </p:cNvSpPr>
+          <p:nvPr>
+            <p:ph type="ftr" sz="quarter" idx="4"/>
+          </p:nvPr>
+        </p:nvSpPr>
+        <p:spPr>
+          <a:xfrm>
+            <a:off x="-1" y="8892000"/>
+            <a:ext cx="6488999" cy="252000"/>
+          </a:xfrm>
+          <a:prstGeom prst="rect">
+            <a:avLst/>
+          </a:prstGeom>
+        </p:spPr>
+        <p:txBody>
+          <a:bodyPr vert="horz" lIns="91440" tIns="45720" rIns="91440" bIns="45720" rtlCol="0" anchor="b"/>
+          <a:lstStyle>
+            <a:lvl1pPr algn="l">
+              <a:defRPr sz="1100"/>
+            </a:lvl1pPr>
+          </a:lstStyle>
+          <a:p>
+            <a:r>
+              <a:rPr lang="bg-BG" sz="1100" dirty="0"/>
+              <a:t>Работна група </a:t>
+            </a:r>
+            <a:r>
+              <a:rPr lang="bg-BG" dirty="0"/>
+              <a:t>"Образование по програмиране и ИТ"</a:t>
+            </a:r>
+            <a:r>
+              <a:rPr lang="bg-BG" sz="1100" dirty="0"/>
+              <a:t>, с подкрепата на </a:t>
+            </a:r>
+            <a:r>
+              <a:rPr lang="en-US" sz="1100" dirty="0">
+                <a:hlinkClick r:id="rId3"/>
+              </a:rPr>
+              <a:t>SoftUni</a:t>
+            </a:r>
+            <a:endParaRPr lang="en-US" sz="1100" dirty="0"/>
+          </a:p>
+        </p:txBody>
+      </p:sp>
+    </p:spTree>
+    <p:extLst>
+      <p:ext uri="{BB962C8B-B14F-4D97-AF65-F5344CB8AC3E}">
+        <p14:creationId xmlns:p14="http://schemas.microsoft.com/office/powerpoint/2010/main" val="2689344733"/>
+      </p:ext>
+    </p:extLst>
+  </p:cSld>
+  <p:clrMapOvr>
+    <a:masterClrMapping/>
+  </p:clrMapOvr>
+</p:notes>
+</file>
+
+<file path=ppt/notesSlides/notesSlide31.xml><?xml version="1.0" encoding="utf-8"?>
+<p:notes xmlns:a="http://schemas.openxmlformats.org/drawingml/2006/main" xmlns:r="http://schemas.openxmlformats.org/officeDocument/2006/relationships" xmlns:p="http://schemas.openxmlformats.org/presentationml/2006/main">
+  <p:cSld>
+    <p:spTree>
+      <p:nvGrpSpPr>
+        <p:cNvPr id="1" name=""/>
+        <p:cNvGrpSpPr/>
+        <p:nvPr/>
+      </p:nvGrpSpPr>
+      <p:grpSpPr>
+        <a:xfrm>
+          <a:off x="0" y="0"/>
+          <a:ext cx="0" cy="0"/>
+          <a:chOff x="0" y="0"/>
+          <a:chExt cx="0" cy="0"/>
+        </a:xfrm>
+      </p:grpSpPr>
+      <p:sp>
+        <p:nvSpPr>
+          <p:cNvPr id="2" name="Slide Image Placeholder 1"/>
+          <p:cNvSpPr>
+            <a:spLocks noGrp="1" noRot="1" noChangeAspect="1"/>
+          </p:cNvSpPr>
+          <p:nvPr>
+            <p:ph type="sldImg"/>
+          </p:nvPr>
+        </p:nvSpPr>
+        <p:spPr/>
+      </p:sp>
+      <p:sp>
+        <p:nvSpPr>
+          <p:cNvPr id="3" name="Notes Placeholder 2"/>
+          <p:cNvSpPr>
+            <a:spLocks noGrp="1"/>
+          </p:cNvSpPr>
+          <p:nvPr>
+            <p:ph type="body" idx="1"/>
+          </p:nvPr>
+        </p:nvSpPr>
+        <p:spPr/>
+        <p:txBody>
+          <a:bodyPr/>
+          <a:lstStyle/>
+          <a:p>
+            <a:endParaRPr lang="en-US" dirty="0"/>
+          </a:p>
+        </p:txBody>
+      </p:sp>
+      <p:sp>
+        <p:nvSpPr>
+          <p:cNvPr id="7" name="Slide Number Placeholder 5">
+            <a:extLst>
+              <a:ext uri="{FF2B5EF4-FFF2-40B4-BE49-F238E27FC236}">
+                <a16:creationId xmlns:a16="http://schemas.microsoft.com/office/drawing/2014/main" id="{5049B984-F964-47FF-8179-0A3007CE21CD}"/>
+              </a:ext>
+            </a:extLst>
+          </p:cNvPr>
+          <p:cNvSpPr txBox="1">
+            <a:spLocks/>
+          </p:cNvSpPr>
+          <p:nvPr/>
+        </p:nvSpPr>
+        <p:spPr>
+          <a:xfrm>
+            <a:off x="6488999" y="8847000"/>
+            <a:ext cx="367414" cy="297000"/>
+          </a:xfrm>
+          <a:prstGeom prst="rect">
+            <a:avLst/>
+          </a:prstGeom>
+        </p:spPr>
+        <p:txBody>
+          <a:bodyPr vert="horz" lIns="91440" tIns="45720" rIns="91440" bIns="45720" rtlCol="0" anchor="b"/>
+          <a:lstStyle>
+            <a:defPPr>
+              <a:defRPr lang="en-US"/>
+            </a:defPPr>
+            <a:lvl1pPr marL="0" algn="r" defTabSz="914400" rtl="0" eaLnBrk="1" latinLnBrk="0" hangingPunct="1">
+              <a:defRPr sz="1200" kern="1200">
+                <a:solidFill>
+                  <a:schemeClr val="tx1"/>
+                </a:solidFill>
+                <a:latin typeface="+mn-lt"/>
+                <a:ea typeface="+mn-ea"/>
+                <a:cs typeface="+mn-cs"/>
+              </a:defRPr>
+            </a:lvl1pPr>
+            <a:lvl2pPr marL="457200" algn="l" defTabSz="914400" rtl="0" eaLnBrk="1" latinLnBrk="0" hangingPunct="1">
+              <a:defRPr sz="1800" kern="1200">
+                <a:solidFill>
+                  <a:schemeClr val="tx1"/>
+                </a:solidFill>
+                <a:latin typeface="+mn-lt"/>
+                <a:ea typeface="+mn-ea"/>
+                <a:cs typeface="+mn-cs"/>
+              </a:defRPr>
+            </a:lvl2pPr>
+            <a:lvl3pPr marL="914400" algn="l" defTabSz="914400" rtl="0" eaLnBrk="1" latinLnBrk="0" hangingPunct="1">
+              <a:defRPr sz="1800" kern="1200">
+                <a:solidFill>
+                  <a:schemeClr val="tx1"/>
+                </a:solidFill>
+                <a:latin typeface="+mn-lt"/>
+                <a:ea typeface="+mn-ea"/>
+                <a:cs typeface="+mn-cs"/>
+              </a:defRPr>
+            </a:lvl3pPr>
+            <a:lvl4pPr marL="1371600" algn="l" defTabSz="914400" rtl="0" eaLnBrk="1" latinLnBrk="0" hangingPunct="1">
+              <a:defRPr sz="1800" kern="1200">
+                <a:solidFill>
+                  <a:schemeClr val="tx1"/>
+                </a:solidFill>
+                <a:latin typeface="+mn-lt"/>
+                <a:ea typeface="+mn-ea"/>
+                <a:cs typeface="+mn-cs"/>
+              </a:defRPr>
+            </a:lvl4pPr>
+            <a:lvl5pPr marL="1828800" algn="l" defTabSz="914400" rtl="0" eaLnBrk="1" latinLnBrk="0" hangingPunct="1">
+              <a:defRPr sz="1800" kern="1200">
+                <a:solidFill>
+                  <a:schemeClr val="tx1"/>
+                </a:solidFill>
+                <a:latin typeface="+mn-lt"/>
+                <a:ea typeface="+mn-ea"/>
+                <a:cs typeface="+mn-cs"/>
+              </a:defRPr>
+            </a:lvl5pPr>
+            <a:lvl6pPr marL="2286000" algn="l" defTabSz="914400" rtl="0" eaLnBrk="1" latinLnBrk="0" hangingPunct="1">
+              <a:defRPr sz="1800" kern="1200">
+                <a:solidFill>
+                  <a:schemeClr val="tx1"/>
+                </a:solidFill>
+                <a:latin typeface="+mn-lt"/>
+                <a:ea typeface="+mn-ea"/>
+                <a:cs typeface="+mn-cs"/>
+              </a:defRPr>
+            </a:lvl6pPr>
+            <a:lvl7pPr marL="2743200" algn="l" defTabSz="914400" rtl="0" eaLnBrk="1" latinLnBrk="0" hangingPunct="1">
+              <a:defRPr sz="1800" kern="1200">
+                <a:solidFill>
+                  <a:schemeClr val="tx1"/>
+                </a:solidFill>
+                <a:latin typeface="+mn-lt"/>
+                <a:ea typeface="+mn-ea"/>
+                <a:cs typeface="+mn-cs"/>
+              </a:defRPr>
+            </a:lvl7pPr>
+            <a:lvl8pPr marL="3200400" algn="l" defTabSz="914400" rtl="0" eaLnBrk="1" latinLnBrk="0" hangingPunct="1">
+              <a:defRPr sz="1800" kern="1200">
+                <a:solidFill>
+                  <a:schemeClr val="tx1"/>
+                </a:solidFill>
+                <a:latin typeface="+mn-lt"/>
+                <a:ea typeface="+mn-ea"/>
+                <a:cs typeface="+mn-cs"/>
+              </a:defRPr>
+            </a:lvl8pPr>
+            <a:lvl9pPr marL="3657600" algn="l" defTabSz="914400" rtl="0" eaLnBrk="1" latinLnBrk="0" hangingPunct="1">
+              <a:defRPr sz="1800" kern="1200">
+                <a:solidFill>
+                  <a:schemeClr val="tx1"/>
+                </a:solidFill>
+                <a:latin typeface="+mn-lt"/>
+                <a:ea typeface="+mn-ea"/>
+                <a:cs typeface="+mn-cs"/>
+              </a:defRPr>
+            </a:lvl9pPr>
+          </a:lstStyle>
+          <a:p>
+            <a:fld id="{3EBA5BD7-F043-4D1B-AA17-CD412FC534DE}" type="slidenum">
+              <a:rPr lang="en-US" smtClean="0"/>
+              <a:pPr/>
+              <a:t>38</a:t>
+            </a:fld>
+            <a:endParaRPr lang="en-US" dirty="0"/>
+          </a:p>
+        </p:txBody>
+      </p:sp>
+      <p:sp>
+        <p:nvSpPr>
+          <p:cNvPr id="4" name="Footer Placeholder 3">
+            <a:extLst>
+              <a:ext uri="{FF2B5EF4-FFF2-40B4-BE49-F238E27FC236}">
+                <a16:creationId xmlns:a16="http://schemas.microsoft.com/office/drawing/2014/main" id="{8E059BE0-D868-413B-AAA1-1CC88D1F52C5}"/>
+              </a:ext>
+            </a:extLst>
+          </p:cNvPr>
+          <p:cNvSpPr>
+            <a:spLocks noGrp="1"/>
+          </p:cNvSpPr>
+          <p:nvPr>
+            <p:ph type="ftr" sz="quarter" idx="4"/>
+          </p:nvPr>
+        </p:nvSpPr>
+        <p:spPr/>
+        <p:txBody>
+          <a:bodyPr/>
+          <a:lstStyle/>
+          <a:p>
+            <a:r>
+              <a:rPr lang="en-US"/>
+              <a:t>© SoftUni – </a:t>
+            </a:r>
+            <a:r>
+              <a:rPr lang="en-US" u="sng">
+                <a:hlinkClick r:id="rId3"/>
+              </a:rPr>
+              <a:t>https://softuni.org</a:t>
+            </a:r>
+            <a:r>
+              <a:rPr lang="en-US"/>
+              <a:t>. Copyrighted document. Unauthorized copy or reproduction is not permitted.</a:t>
+            </a:r>
+            <a:endParaRPr lang="en-US" dirty="0"/>
+          </a:p>
+        </p:txBody>
+      </p:sp>
+    </p:spTree>
+    <p:extLst>
+      <p:ext uri="{BB962C8B-B14F-4D97-AF65-F5344CB8AC3E}">
+        <p14:creationId xmlns:p14="http://schemas.microsoft.com/office/powerpoint/2010/main" val="3466590374"/>
+      </p:ext>
+    </p:extLst>
+  </p:cSld>
+  <p:clrMapOvr>
+    <a:masterClrMapping/>
+  </p:clrMapOvr>
+</p:notes>
+</file>
+
+<file path=ppt/notesSlides/notesSlide32.xml><?xml version="1.0" encoding="utf-8"?>
+<p:notes xmlns:a="http://schemas.openxmlformats.org/drawingml/2006/main" xmlns:r="http://schemas.openxmlformats.org/officeDocument/2006/relationships" xmlns:p="http://schemas.openxmlformats.org/presentationml/2006/main">
+  <p:cSld>
+    <p:spTree>
+      <p:nvGrpSpPr>
+        <p:cNvPr id="1" name=""/>
+        <p:cNvGrpSpPr/>
+        <p:nvPr/>
+      </p:nvGrpSpPr>
+      <p:grpSpPr>
+        <a:xfrm>
+          <a:off x="0" y="0"/>
+          <a:ext cx="0" cy="0"/>
+          <a:chOff x="0" y="0"/>
+          <a:chExt cx="0" cy="0"/>
+        </a:xfrm>
+      </p:grpSpPr>
+      <p:sp>
+        <p:nvSpPr>
+          <p:cNvPr id="2" name="Slide Image Placeholder 1"/>
+          <p:cNvSpPr>
+            <a:spLocks noGrp="1" noRot="1" noChangeAspect="1"/>
+          </p:cNvSpPr>
+          <p:nvPr>
+            <p:ph type="sldImg"/>
+          </p:nvPr>
+        </p:nvSpPr>
+        <p:spPr/>
+      </p:sp>
+      <p:sp>
+        <p:nvSpPr>
+          <p:cNvPr id="3" name="Notes Placeholder 2"/>
+          <p:cNvSpPr>
+            <a:spLocks noGrp="1"/>
+          </p:cNvSpPr>
+          <p:nvPr>
+            <p:ph type="body" idx="1"/>
+          </p:nvPr>
+        </p:nvSpPr>
+        <p:spPr/>
+        <p:txBody>
+          <a:bodyPr/>
+          <a:lstStyle/>
+          <a:p>
+            <a:endParaRPr lang="en-US"/>
+          </a:p>
+        </p:txBody>
+      </p:sp>
+      <p:sp>
+        <p:nvSpPr>
+          <p:cNvPr id="6" name="Slide Number Placeholder 5">
+            <a:extLst>
+              <a:ext uri="{FF2B5EF4-FFF2-40B4-BE49-F238E27FC236}">
+                <a16:creationId xmlns:a16="http://schemas.microsoft.com/office/drawing/2014/main" id="{6627548A-4D3C-449B-81A5-FA4BE4628490}"/>
+              </a:ext>
+            </a:extLst>
+          </p:cNvPr>
+          <p:cNvSpPr txBox="1">
+            <a:spLocks/>
+          </p:cNvSpPr>
+          <p:nvPr/>
+        </p:nvSpPr>
+        <p:spPr>
+          <a:xfrm>
+            <a:off x="6488999" y="8847000"/>
+            <a:ext cx="367414" cy="297000"/>
+          </a:xfrm>
+          <a:prstGeom prst="rect">
+            <a:avLst/>
+          </a:prstGeom>
+        </p:spPr>
+        <p:txBody>
+          <a:bodyPr vert="horz" lIns="91440" tIns="45720" rIns="91440" bIns="45720" rtlCol="0" anchor="b"/>
+          <a:lstStyle>
+            <a:defPPr>
+              <a:defRPr lang="en-US"/>
+            </a:defPPr>
+            <a:lvl1pPr marL="0" algn="r" defTabSz="914400" rtl="0" eaLnBrk="1" latinLnBrk="0" hangingPunct="1">
+              <a:defRPr sz="1200" kern="1200">
+                <a:solidFill>
+                  <a:schemeClr val="tx1"/>
+                </a:solidFill>
+                <a:latin typeface="+mn-lt"/>
+                <a:ea typeface="+mn-ea"/>
+                <a:cs typeface="+mn-cs"/>
+              </a:defRPr>
+            </a:lvl1pPr>
+            <a:lvl2pPr marL="457200" algn="l" defTabSz="914400" rtl="0" eaLnBrk="1" latinLnBrk="0" hangingPunct="1">
+              <a:defRPr sz="1800" kern="1200">
+                <a:solidFill>
+                  <a:schemeClr val="tx1"/>
+                </a:solidFill>
+                <a:latin typeface="+mn-lt"/>
+                <a:ea typeface="+mn-ea"/>
+                <a:cs typeface="+mn-cs"/>
+              </a:defRPr>
+            </a:lvl2pPr>
+            <a:lvl3pPr marL="914400" algn="l" defTabSz="914400" rtl="0" eaLnBrk="1" latinLnBrk="0" hangingPunct="1">
+              <a:defRPr sz="1800" kern="1200">
+                <a:solidFill>
+                  <a:schemeClr val="tx1"/>
+                </a:solidFill>
+                <a:latin typeface="+mn-lt"/>
+                <a:ea typeface="+mn-ea"/>
+                <a:cs typeface="+mn-cs"/>
+              </a:defRPr>
+            </a:lvl3pPr>
+            <a:lvl4pPr marL="1371600" algn="l" defTabSz="914400" rtl="0" eaLnBrk="1" latinLnBrk="0" hangingPunct="1">
+              <a:defRPr sz="1800" kern="1200">
+                <a:solidFill>
+                  <a:schemeClr val="tx1"/>
+                </a:solidFill>
+                <a:latin typeface="+mn-lt"/>
+                <a:ea typeface="+mn-ea"/>
+                <a:cs typeface="+mn-cs"/>
+              </a:defRPr>
+            </a:lvl4pPr>
+            <a:lvl5pPr marL="1828800" algn="l" defTabSz="914400" rtl="0" eaLnBrk="1" latinLnBrk="0" hangingPunct="1">
+              <a:defRPr sz="1800" kern="1200">
+                <a:solidFill>
+                  <a:schemeClr val="tx1"/>
+                </a:solidFill>
+                <a:latin typeface="+mn-lt"/>
+                <a:ea typeface="+mn-ea"/>
+                <a:cs typeface="+mn-cs"/>
+              </a:defRPr>
+            </a:lvl5pPr>
+            <a:lvl6pPr marL="2286000" algn="l" defTabSz="914400" rtl="0" eaLnBrk="1" latinLnBrk="0" hangingPunct="1">
+              <a:defRPr sz="1800" kern="1200">
+                <a:solidFill>
+                  <a:schemeClr val="tx1"/>
+                </a:solidFill>
+                <a:latin typeface="+mn-lt"/>
+                <a:ea typeface="+mn-ea"/>
+                <a:cs typeface="+mn-cs"/>
+              </a:defRPr>
+            </a:lvl6pPr>
+            <a:lvl7pPr marL="2743200" algn="l" defTabSz="914400" rtl="0" eaLnBrk="1" latinLnBrk="0" hangingPunct="1">
+              <a:defRPr sz="1800" kern="1200">
+                <a:solidFill>
+                  <a:schemeClr val="tx1"/>
+                </a:solidFill>
+                <a:latin typeface="+mn-lt"/>
+                <a:ea typeface="+mn-ea"/>
+                <a:cs typeface="+mn-cs"/>
+              </a:defRPr>
+            </a:lvl7pPr>
+            <a:lvl8pPr marL="3200400" algn="l" defTabSz="914400" rtl="0" eaLnBrk="1" latinLnBrk="0" hangingPunct="1">
+              <a:defRPr sz="1800" kern="1200">
+                <a:solidFill>
+                  <a:schemeClr val="tx1"/>
+                </a:solidFill>
+                <a:latin typeface="+mn-lt"/>
+                <a:ea typeface="+mn-ea"/>
+                <a:cs typeface="+mn-cs"/>
+              </a:defRPr>
+            </a:lvl8pPr>
+            <a:lvl9pPr marL="3657600" algn="l" defTabSz="914400" rtl="0" eaLnBrk="1" latinLnBrk="0" hangingPunct="1">
+              <a:defRPr sz="1800" kern="1200">
+                <a:solidFill>
+                  <a:schemeClr val="tx1"/>
+                </a:solidFill>
+                <a:latin typeface="+mn-lt"/>
+                <a:ea typeface="+mn-ea"/>
+                <a:cs typeface="+mn-cs"/>
+              </a:defRPr>
+            </a:lvl9pPr>
+          </a:lstStyle>
+          <a:p>
+            <a:fld id="{3EBA5BD7-F043-4D1B-AA17-CD412FC534DE}" type="slidenum">
+              <a:rPr lang="en-US" smtClean="0"/>
+              <a:pPr/>
+              <a:t>39</a:t>
+            </a:fld>
+            <a:endParaRPr lang="en-US" dirty="0"/>
+          </a:p>
+        </p:txBody>
+      </p:sp>
+      <p:sp>
+        <p:nvSpPr>
+          <p:cNvPr id="4" name="Footer Placeholder 3">
+            <a:extLst>
+              <a:ext uri="{FF2B5EF4-FFF2-40B4-BE49-F238E27FC236}">
+                <a16:creationId xmlns:a16="http://schemas.microsoft.com/office/drawing/2014/main" id="{D2472CE7-61C1-4B7B-B0C8-5A45F0178717}"/>
+              </a:ext>
+            </a:extLst>
+          </p:cNvPr>
+          <p:cNvSpPr>
+            <a:spLocks noGrp="1"/>
+          </p:cNvSpPr>
+          <p:nvPr>
+            <p:ph type="ftr" sz="quarter" idx="4"/>
+          </p:nvPr>
+        </p:nvSpPr>
+        <p:spPr/>
+        <p:txBody>
+          <a:bodyPr/>
+          <a:lstStyle/>
+          <a:p>
+            <a:r>
+              <a:rPr lang="en-US"/>
+              <a:t>© SoftUni – </a:t>
+            </a:r>
+            <a:r>
+              <a:rPr lang="en-US" u="sng">
+                <a:hlinkClick r:id="rId3"/>
+              </a:rPr>
+              <a:t>https://softuni.org</a:t>
+            </a:r>
+            <a:r>
+              <a:rPr lang="en-US"/>
+              <a:t>. Copyrighted document. Unauthorized copy or reproduction is not permitted.</a:t>
+            </a:r>
+            <a:endParaRPr lang="en-US" dirty="0"/>
+          </a:p>
+        </p:txBody>
+      </p:sp>
+    </p:spTree>
+    <p:extLst>
+      <p:ext uri="{BB962C8B-B14F-4D97-AF65-F5344CB8AC3E}">
+        <p14:creationId xmlns:p14="http://schemas.microsoft.com/office/powerpoint/2010/main" val="3648844402"/>
       </p:ext>
     </p:extLst>
   </p:cSld>
@@ -21272,14 +21885,13 @@
               </a:ext>
             </a:extLst>
           </a:blip>
-          <a:stretch>
-            <a:fillRect/>
-          </a:stretch>
+          <a:srcRect/>
+          <a:stretch/>
         </p:blipFill>
         <p:spPr>
           <a:xfrm>
-            <a:off x="4992432" y="4340221"/>
-            <a:ext cx="6760598" cy="1550818"/>
+            <a:off x="4992432" y="4446492"/>
+            <a:ext cx="6760598" cy="1338275"/>
           </a:xfrm>
           <a:prstGeom prst="rect">
             <a:avLst/>
@@ -21293,6 +21905,78 @@
           </a:ln>
         </p:spPr>
       </p:pic>
+      <p:sp>
+        <p:nvSpPr>
+          <p:cNvPr id="5" name="Rectangle 4">
+            <a:extLst>
+              <a:ext uri="{FF2B5EF4-FFF2-40B4-BE49-F238E27FC236}">
+                <a16:creationId xmlns:a16="http://schemas.microsoft.com/office/drawing/2014/main" id="{BD64EB98-6894-3AA1-3874-EAA62651C0C0}"/>
+              </a:ext>
+            </a:extLst>
+          </p:cNvPr>
+          <p:cNvSpPr/>
+          <p:nvPr/>
+        </p:nvSpPr>
+        <p:spPr bwMode="auto">
+          <a:xfrm>
+            <a:off x="4839224" y="5049000"/>
+            <a:ext cx="6975514" cy="822183"/>
+          </a:xfrm>
+          <a:prstGeom prst="rect">
+            <a:avLst/>
+          </a:prstGeom>
+          <a:noFill/>
+          <a:ln w="57150">
+            <a:solidFill>
+              <a:schemeClr val="accent3">
+                <a:lumMod val="75000"/>
+                <a:alpha val="80000"/>
+              </a:schemeClr>
+            </a:solidFill>
+          </a:ln>
+          <a:effectLst/>
+        </p:spPr>
+        <p:style>
+          <a:lnRef idx="2">
+            <a:schemeClr val="accent1">
+              <a:shade val="50000"/>
+            </a:schemeClr>
+          </a:lnRef>
+          <a:fillRef idx="1001">
+            <a:schemeClr val="dk2"/>
+          </a:fillRef>
+          <a:effectRef idx="0">
+            <a:schemeClr val="accent1"/>
+          </a:effectRef>
+          <a:fontRef idx="minor">
+            <a:schemeClr val="lt1"/>
+          </a:fontRef>
+        </p:style>
+        <p:txBody>
+          <a:bodyPr rot="0" spcFirstLastPara="0" vertOverflow="overflow" horzOverflow="overflow" vert="horz" wrap="square" lIns="91440" tIns="45720" rIns="91440" bIns="45720" numCol="1" spcCol="0" rtlCol="0" fromWordArt="0" anchor="ctr" anchorCtr="0" forceAA="0" compatLnSpc="1">
+            <a:prstTxWarp prst="textNoShape">
+              <a:avLst/>
+            </a:prstTxWarp>
+            <a:noAutofit/>
+          </a:bodyPr>
+          <a:lstStyle/>
+          <a:p>
+            <a:pPr algn="ctr"/>
+            <a:endParaRPr lang="en-GB" sz="2800" b="1" dirty="0">
+              <a:solidFill>
+                <a:srgbClr val="FFFFFF"/>
+              </a:solidFill>
+              <a:effectLst>
+                <a:outerShdw blurRad="38100" dist="38100" dir="2700000" algn="tl">
+                  <a:srgbClr val="000000">
+                    <a:alpha val="43137"/>
+                  </a:srgbClr>
+                </a:outerShdw>
+              </a:effectLst>
+            </a:endParaRPr>
+          </a:p>
+        </p:txBody>
+      </p:sp>
     </p:spTree>
     <p:extLst>
       <p:ext uri="{BB962C8B-B14F-4D97-AF65-F5344CB8AC3E}">
@@ -21601,6 +22285,51 @@
                       </p:childTnLst>
                     </p:cTn>
                   </p:par>
+                  <p:par>
+                    <p:cTn id="27" fill="hold">
+                      <p:stCondLst>
+                        <p:cond delay="indefinite"/>
+                      </p:stCondLst>
+                      <p:childTnLst>
+                        <p:par>
+                          <p:cTn id="28" fill="hold">
+                            <p:stCondLst>
+                              <p:cond delay="0"/>
+                            </p:stCondLst>
+                            <p:childTnLst>
+                              <p:par>
+                                <p:cTn id="29" presetID="1" presetClass="entr" presetSubtype="0" fill="hold" grpId="0" nodeType="clickEffect">
+                                  <p:stCondLst>
+                                    <p:cond delay="0"/>
+                                  </p:stCondLst>
+                                  <p:childTnLst>
+                                    <p:set>
+                                      <p:cBhvr>
+                                        <p:cTn id="30" dur="1" fill="hold">
+                                          <p:stCondLst>
+                                            <p:cond delay="0"/>
+                                          </p:stCondLst>
+                                        </p:cTn>
+                                        <p:tgtEl>
+                                          <p:spTgt spid="5"/>
+                                        </p:tgtEl>
+                                        <p:attrNameLst>
+                                          <p:attrName>style.visibility</p:attrName>
+                                        </p:attrNameLst>
+                                      </p:cBhvr>
+                                      <p:to>
+                                        <p:strVal val="visible"/>
+                                      </p:to>
+                                    </p:set>
+                                  </p:childTnLst>
+                                </p:cTn>
+                              </p:par>
+                            </p:childTnLst>
+                          </p:cTn>
+                        </p:par>
+                      </p:childTnLst>
+                    </p:cTn>
+                  </p:par>
                 </p:childTnLst>
               </p:cTn>
               <p:prevCondLst>
@@ -21624,6 +22353,7 @@
     </p:tnLst>
     <p:bldLst>
       <p:bldP spid="4" grpId="0" animBg="1"/>
+      <p:bldP spid="5" grpId="0" animBg="1"/>
     </p:bldLst>
   </p:timing>
 </p:sld>
@@ -21811,21 +22541,20 @@
           <p:nvPr/>
         </p:nvPicPr>
         <p:blipFill>
-          <a:blip r:embed="rId4">
+          <a:blip r:embed="rId3">
             <a:extLst>
               <a:ext uri="{28A0092B-C50C-407E-A947-70E740481C1C}">
                 <a14:useLocalDpi xmlns:a14="http://schemas.microsoft.com/office/drawing/2010/main" val="0"/>
               </a:ext>
             </a:extLst>
           </a:blip>
-          <a:stretch>
-            <a:fillRect/>
-          </a:stretch>
+          <a:srcRect/>
+          <a:stretch/>
         </p:blipFill>
         <p:spPr>
           <a:xfrm>
-            <a:off x="2170690" y="3204000"/>
-            <a:ext cx="7850619" cy="2729427"/>
+            <a:off x="2213853" y="3204000"/>
+            <a:ext cx="7764292" cy="2729427"/>
           </a:xfrm>
           <a:prstGeom prst="rect">
             <a:avLst/>
@@ -21849,8 +22578,8 @@
         </p:nvSpPr>
         <p:spPr bwMode="auto">
           <a:xfrm>
-            <a:off x="1191000" y="3601213"/>
-            <a:ext cx="7335000" cy="1935000"/>
+            <a:off x="2124440" y="3960508"/>
+            <a:ext cx="7943118" cy="1935000"/>
           </a:xfrm>
           <a:prstGeom prst="rect">
             <a:avLst/>
@@ -21858,7 +22587,7 @@
           <a:noFill/>
           <a:ln w="57150">
             <a:solidFill>
-              <a:schemeClr val="tx1">
+              <a:schemeClr val="accent3">
                 <a:lumMod val="75000"/>
                 <a:alpha val="80000"/>
               </a:schemeClr>
@@ -22097,11 +22826,6 @@
       <p:bldP spid="4" grpId="0" animBg="1"/>
     </p:bldLst>
   </p:timing>
-  <p:extLst>
-    <p:ext uri="{6950BFC3-D8DA-4A85-94F7-54DA5524770B}">
-      <p188:commentRel xmlns:p188="http://schemas.microsoft.com/office/powerpoint/2018/8/main" r:id="rId3"/>
-    </p:ext>
-  </p:extLst>
 </p:sld>
 </file>
 
@@ -22302,14 +23026,13 @@
               </a:ext>
             </a:extLst>
           </a:blip>
-          <a:stretch>
-            <a:fillRect/>
-          </a:stretch>
+          <a:srcRect/>
+          <a:stretch/>
         </p:blipFill>
         <p:spPr>
           <a:xfrm>
-            <a:off x="3661837" y="2746881"/>
-            <a:ext cx="4868325" cy="3908619"/>
+            <a:off x="3700131" y="2746881"/>
+            <a:ext cx="4791737" cy="3908619"/>
           </a:xfrm>
           <a:prstGeom prst="rect">
             <a:avLst/>
@@ -22319,6 +23042,78 @@
           </a:ln>
         </p:spPr>
       </p:pic>
+      <p:sp>
+        <p:nvSpPr>
+          <p:cNvPr id="4" name="Rectangle 3">
+            <a:extLst>
+              <a:ext uri="{FF2B5EF4-FFF2-40B4-BE49-F238E27FC236}">
+                <a16:creationId xmlns:a16="http://schemas.microsoft.com/office/drawing/2014/main" id="{56416E0B-98B3-4725-4FD5-FEF5C1A6C3A3}"/>
+              </a:ext>
+            </a:extLst>
+          </p:cNvPr>
+          <p:cNvSpPr/>
+          <p:nvPr/>
+        </p:nvSpPr>
+        <p:spPr bwMode="auto">
+          <a:xfrm>
+            <a:off x="3621000" y="4373999"/>
+            <a:ext cx="4950000" cy="2350891"/>
+          </a:xfrm>
+          <a:prstGeom prst="rect">
+            <a:avLst/>
+          </a:prstGeom>
+          <a:noFill/>
+          <a:ln w="57150">
+            <a:solidFill>
+              <a:schemeClr val="accent3">
+                <a:lumMod val="75000"/>
+                <a:alpha val="80000"/>
+              </a:schemeClr>
+            </a:solidFill>
+          </a:ln>
+          <a:effectLst/>
+        </p:spPr>
+        <p:style>
+          <a:lnRef idx="2">
+            <a:schemeClr val="accent1">
+              <a:shade val="50000"/>
+            </a:schemeClr>
+          </a:lnRef>
+          <a:fillRef idx="1001">
+            <a:schemeClr val="dk2"/>
+          </a:fillRef>
+          <a:effectRef idx="0">
+            <a:schemeClr val="accent1"/>
+          </a:effectRef>
+          <a:fontRef idx="minor">
+            <a:schemeClr val="lt1"/>
+          </a:fontRef>
+        </p:style>
+        <p:txBody>
+          <a:bodyPr rot="0" spcFirstLastPara="0" vertOverflow="overflow" horzOverflow="overflow" vert="horz" wrap="square" lIns="91440" tIns="45720" rIns="91440" bIns="45720" numCol="1" spcCol="0" rtlCol="0" fromWordArt="0" anchor="ctr" anchorCtr="0" forceAA="0" compatLnSpc="1">
+            <a:prstTxWarp prst="textNoShape">
+              <a:avLst/>
+            </a:prstTxWarp>
+            <a:noAutofit/>
+          </a:bodyPr>
+          <a:lstStyle/>
+          <a:p>
+            <a:pPr algn="ctr"/>
+            <a:endParaRPr lang="en-GB" sz="2800" b="1" dirty="0">
+              <a:solidFill>
+                <a:srgbClr val="FFFFFF"/>
+              </a:solidFill>
+              <a:effectLst>
+                <a:outerShdw blurRad="38100" dist="38100" dir="2700000" algn="tl">
+                  <a:srgbClr val="000000">
+                    <a:alpha val="43137"/>
+                  </a:srgbClr>
+                </a:outerShdw>
+              </a:effectLst>
+            </a:endParaRPr>
+          </a:p>
+        </p:txBody>
+      </p:sp>
     </p:spTree>
     <p:extLst>
       <p:ext uri="{BB962C8B-B14F-4D97-AF65-F5344CB8AC3E}">
@@ -22439,6 +23234,51 @@
                       </p:childTnLst>
                     </p:cTn>
                   </p:par>
+                  <p:par>
+                    <p:cTn id="11" fill="hold">
+                      <p:stCondLst>
+                        <p:cond delay="indefinite"/>
+                      </p:stCondLst>
+                      <p:childTnLst>
+                        <p:par>
+                          <p:cTn id="12" fill="hold">
+                            <p:stCondLst>
+                              <p:cond delay="0"/>
+                            </p:stCondLst>
+                            <p:childTnLst>
+                              <p:par>
+                                <p:cTn id="13" presetID="1" presetClass="entr" presetSubtype="0" fill="hold" grpId="0" nodeType="clickEffect">
+                                  <p:stCondLst>
+                                    <p:cond delay="0"/>
+                                  </p:stCondLst>
+                                  <p:childTnLst>
+                                    <p:set>
+                                      <p:cBhvr>
+                                        <p:cTn id="14" dur="1" fill="hold">
+                                          <p:stCondLst>
+                                            <p:cond delay="0"/>
+                                          </p:stCondLst>
+                                        </p:cTn>
+                                        <p:tgtEl>
+                                          <p:spTgt spid="4"/>
+                                        </p:tgtEl>
+                                        <p:attrNameLst>
+                                          <p:attrName>style.visibility</p:attrName>
+                                        </p:attrNameLst>
+                                      </p:cBhvr>
+                                      <p:to>
+                                        <p:strVal val="visible"/>
+                                      </p:to>
+                                    </p:set>
+                                  </p:childTnLst>
+                                </p:cTn>
+                              </p:par>
+                            </p:childTnLst>
+                          </p:cTn>
+                        </p:par>
+                      </p:childTnLst>
+                    </p:cTn>
+                  </p:par>
                 </p:childTnLst>
               </p:cTn>
               <p:prevCondLst>
@@ -22460,6 +23300,9 @@
         </p:cTn>
       </p:par>
     </p:tnLst>
+    <p:bldLst>
+      <p:bldP spid="4" grpId="0" animBg="1"/>
+    </p:bldLst>
   </p:timing>
 </p:sld>
 </file>
@@ -22645,14 +23488,13 @@
               </a:ext>
             </a:extLst>
           </a:blip>
-          <a:stretch>
-            <a:fillRect/>
-          </a:stretch>
+          <a:srcRect/>
+          <a:stretch/>
         </p:blipFill>
         <p:spPr>
           <a:xfrm>
-            <a:off x="3868500" y="2631138"/>
-            <a:ext cx="4455000" cy="4023871"/>
+            <a:off x="3736192" y="2399717"/>
+            <a:ext cx="4719616" cy="4316918"/>
           </a:xfrm>
           <a:prstGeom prst="rect">
             <a:avLst/>
@@ -22662,6 +23504,78 @@
           </a:ln>
         </p:spPr>
       </p:pic>
+      <p:sp>
+        <p:nvSpPr>
+          <p:cNvPr id="4" name="Rectangle 3">
+            <a:extLst>
+              <a:ext uri="{FF2B5EF4-FFF2-40B4-BE49-F238E27FC236}">
+                <a16:creationId xmlns:a16="http://schemas.microsoft.com/office/drawing/2014/main" id="{35BC9559-AF35-FD73-06CC-B7D5538B3A82}"/>
+              </a:ext>
+            </a:extLst>
+          </p:cNvPr>
+          <p:cNvSpPr/>
+          <p:nvPr/>
+        </p:nvSpPr>
+        <p:spPr bwMode="auto">
+          <a:xfrm>
+            <a:off x="3621000" y="6174000"/>
+            <a:ext cx="4950000" cy="550890"/>
+          </a:xfrm>
+          <a:prstGeom prst="rect">
+            <a:avLst/>
+          </a:prstGeom>
+          <a:noFill/>
+          <a:ln w="57150">
+            <a:solidFill>
+              <a:schemeClr val="accent3">
+                <a:lumMod val="75000"/>
+                <a:alpha val="80000"/>
+              </a:schemeClr>
+            </a:solidFill>
+          </a:ln>
+          <a:effectLst/>
+        </p:spPr>
+        <p:style>
+          <a:lnRef idx="2">
+            <a:schemeClr val="accent1">
+              <a:shade val="50000"/>
+            </a:schemeClr>
+          </a:lnRef>
+          <a:fillRef idx="1001">
+            <a:schemeClr val="dk2"/>
+          </a:fillRef>
+          <a:effectRef idx="0">
+            <a:schemeClr val="accent1"/>
+          </a:effectRef>
+          <a:fontRef idx="minor">
+            <a:schemeClr val="lt1"/>
+          </a:fontRef>
+        </p:style>
+        <p:txBody>
+          <a:bodyPr rot="0" spcFirstLastPara="0" vertOverflow="overflow" horzOverflow="overflow" vert="horz" wrap="square" lIns="91440" tIns="45720" rIns="91440" bIns="45720" numCol="1" spcCol="0" rtlCol="0" fromWordArt="0" anchor="ctr" anchorCtr="0" forceAA="0" compatLnSpc="1">
+            <a:prstTxWarp prst="textNoShape">
+              <a:avLst/>
+            </a:prstTxWarp>
+            <a:noAutofit/>
+          </a:bodyPr>
+          <a:lstStyle/>
+          <a:p>
+            <a:pPr algn="ctr"/>
+            <a:endParaRPr lang="en-GB" sz="2800" b="1" dirty="0">
+              <a:solidFill>
+                <a:srgbClr val="FFFFFF"/>
+              </a:solidFill>
+              <a:effectLst>
+                <a:outerShdw blurRad="38100" dist="38100" dir="2700000" algn="tl">
+                  <a:srgbClr val="000000">
+                    <a:alpha val="43137"/>
+                  </a:srgbClr>
+                </a:outerShdw>
+              </a:effectLst>
+            </a:endParaRPr>
+          </a:p>
+        </p:txBody>
+      </p:sp>
     </p:spTree>
     <p:extLst>
       <p:ext uri="{BB962C8B-B14F-4D97-AF65-F5344CB8AC3E}">
@@ -22782,6 +23696,51 @@
                       </p:childTnLst>
                     </p:cTn>
                   </p:par>
+                  <p:par>
+                    <p:cTn id="11" fill="hold">
+                      <p:stCondLst>
+                        <p:cond delay="indefinite"/>
+                      </p:stCondLst>
+                      <p:childTnLst>
+                        <p:par>
+                          <p:cTn id="12" fill="hold">
+                            <p:stCondLst>
+                              <p:cond delay="0"/>
+                            </p:stCondLst>
+                            <p:childTnLst>
+                              <p:par>
+                                <p:cTn id="13" presetID="1" presetClass="entr" presetSubtype="0" fill="hold" grpId="0" nodeType="clickEffect">
+                                  <p:stCondLst>
+                                    <p:cond delay="0"/>
+                                  </p:stCondLst>
+                                  <p:childTnLst>
+                                    <p:set>
+                                      <p:cBhvr>
+                                        <p:cTn id="14" dur="1" fill="hold">
+                                          <p:stCondLst>
+                                            <p:cond delay="0"/>
+                                          </p:stCondLst>
+                                        </p:cTn>
+                                        <p:tgtEl>
+                                          <p:spTgt spid="4"/>
+                                        </p:tgtEl>
+                                        <p:attrNameLst>
+                                          <p:attrName>style.visibility</p:attrName>
+                                        </p:attrNameLst>
+                                      </p:cBhvr>
+                                      <p:to>
+                                        <p:strVal val="visible"/>
+                                      </p:to>
+                                    </p:set>
+                                  </p:childTnLst>
+                                </p:cTn>
+                              </p:par>
+                            </p:childTnLst>
+                          </p:cTn>
+                        </p:par>
+                      </p:childTnLst>
+                    </p:cTn>
+                  </p:par>
                 </p:childTnLst>
               </p:cTn>
               <p:prevCondLst>
@@ -22803,6 +23762,9 @@
         </p:cTn>
       </p:par>
     </p:tnLst>
+    <p:bldLst>
+      <p:bldP spid="4" grpId="0" animBg="1"/>
+    </p:bldLst>
   </p:timing>
 </p:sld>
 </file>
@@ -23023,151 +23985,143 @@
           <a:lstStyle/>
           <a:p>
             <a:r>
-              <a:rPr lang="bg-BG" sz="3600" dirty="0"/>
+              <a:rPr lang="bg-BG" sz="3000" dirty="0"/>
+              <a:t>Чертаем </a:t>
+            </a:r>
+            <a:r>
+              <a:rPr lang="bg-BG" sz="3000" b="1" dirty="0"/>
+              <a:t>малък правоъгълник</a:t>
+            </a:r>
+            <a:endParaRPr lang="en-US" sz="3000" b="1" dirty="0"/>
+          </a:p>
+          <a:p>
+            <a:r>
+              <a:rPr lang="bg-BG" sz="3000" dirty="0"/>
               <a:t>Избираме </a:t>
             </a:r>
             <a:r>
-              <a:rPr lang="bg-BG" sz="3600" b="1" dirty="0"/>
+              <a:rPr lang="bg-BG" sz="3000" b="1" dirty="0"/>
               <a:t>инструмента </a:t>
             </a:r>
             <a:r>
-              <a:rPr lang="bg-BG" sz="3600" dirty="0"/>
+              <a:rPr lang="bg-BG" sz="3000" dirty="0"/>
               <a:t>за </a:t>
             </a:r>
             <a:r>
-              <a:rPr lang="bg-BG" sz="3600" b="1" dirty="0">
+              <a:rPr lang="bg-BG" sz="3000" b="1" dirty="0">
                 <a:solidFill>
                   <a:schemeClr val="bg1"/>
                 </a:solidFill>
               </a:rPr>
-              <a:t>текст</a:t>
-            </a:r>
-          </a:p>
-          <a:p>
-            <a:r>
-              <a:rPr lang="bg-BG" sz="3600" dirty="0"/>
-              <a:t>Пишем в </a:t>
-            </a:r>
-            <a:r>
-              <a:rPr lang="bg-BG" sz="3600" b="1" dirty="0"/>
-              <a:t>хедъра</a:t>
-            </a:r>
-            <a:r>
-              <a:rPr lang="bg-BG" sz="3600" dirty="0"/>
-              <a:t> </a:t>
-            </a:r>
-            <a:r>
-              <a:rPr lang="bg-BG" sz="3600" b="1" dirty="0"/>
-              <a:t>отляво</a:t>
-            </a:r>
-            <a:r>
-              <a:rPr lang="bg-BG" sz="3600" dirty="0"/>
-              <a:t> </a:t>
-            </a:r>
-            <a:r>
-              <a:rPr lang="bg-BG" sz="3600" b="1" dirty="0">
-                <a:solidFill>
-                  <a:schemeClr val="bg1"/>
-                </a:solidFill>
-                <a:latin typeface="Consolas" panose="020B0609020204030204" pitchFamily="49" charset="0"/>
-                <a:cs typeface="Consolas" panose="020B0609020204030204" pitchFamily="49" charset="0"/>
-              </a:rPr>
-              <a:t>Лого</a:t>
-            </a:r>
-            <a:r>
-              <a:rPr lang="bg-BG" sz="3600" dirty="0"/>
-              <a:t>, а </a:t>
-            </a:r>
-            <a:r>
-              <a:rPr lang="bg-BG" sz="3600" b="1" dirty="0"/>
-              <a:t>отдясно</a:t>
-            </a:r>
-            <a:r>
-              <a:rPr lang="bg-BG" sz="3600" dirty="0"/>
-              <a:t> </a:t>
-            </a:r>
-            <a:r>
-              <a:rPr lang="bg-BG" sz="3600" b="1" dirty="0">
-                <a:solidFill>
-                  <a:schemeClr val="bg1"/>
-                </a:solidFill>
-                <a:latin typeface="Consolas" panose="020B0609020204030204" pitchFamily="49" charset="0"/>
-                <a:cs typeface="Consolas" panose="020B0609020204030204" pitchFamily="49" charset="0"/>
-              </a:rPr>
-              <a:t>Меню</a:t>
-            </a:r>
-            <a:endParaRPr lang="en-US" sz="3600" b="1" dirty="0">
+              <a:t>линии</a:t>
+            </a:r>
+          </a:p>
+          <a:p>
+            <a:endParaRPr lang="bg-BG" sz="3000" b="1" dirty="0">
               <a:solidFill>
                 <a:schemeClr val="bg1"/>
               </a:solidFill>
-              <a:latin typeface="Consolas" panose="020B0609020204030204" pitchFamily="49" charset="0"/>
-              <a:cs typeface="Consolas" panose="020B0609020204030204" pitchFamily="49" charset="0"/>
             </a:endParaRPr>
           </a:p>
           <a:p>
-            <a:endParaRPr lang="en-US" sz="3600" b="1" dirty="0">
-              <a:solidFill>
-                <a:schemeClr val="bg1"/>
-              </a:solidFill>
-              <a:latin typeface="Consolas" panose="020B0609020204030204" pitchFamily="49" charset="0"/>
-              <a:cs typeface="Consolas" panose="020B0609020204030204" pitchFamily="49" charset="0"/>
-            </a:endParaRPr>
-          </a:p>
-          <a:p>
-            <a:endParaRPr lang="en-US" sz="3600" b="1" dirty="0">
-              <a:solidFill>
-                <a:schemeClr val="bg1"/>
-              </a:solidFill>
-              <a:latin typeface="Consolas" panose="020B0609020204030204" pitchFamily="49" charset="0"/>
-              <a:cs typeface="Consolas" panose="020B0609020204030204" pitchFamily="49" charset="0"/>
-            </a:endParaRPr>
-          </a:p>
-          <a:p>
-            <a:r>
-              <a:rPr lang="bg-BG" sz="3600" dirty="0"/>
-              <a:t>Пишем в </a:t>
-            </a:r>
-            <a:r>
-              <a:rPr lang="en-US" sz="3600" b="1" dirty="0"/>
-              <a:t>hero </a:t>
-            </a:r>
-            <a:r>
-              <a:rPr lang="bg-BG" sz="3600" b="1" dirty="0"/>
-              <a:t>секцията </a:t>
-            </a:r>
-            <a:r>
-              <a:rPr lang="bg-BG" sz="3600" b="1" dirty="0">
+            <a:r>
+              <a:rPr lang="bg-BG" sz="3000" dirty="0"/>
+              <a:t>Чертаем</a:t>
+            </a:r>
+            <a:r>
+              <a:rPr lang="en-US" sz="3000" b="1" dirty="0"/>
+              <a:t> </a:t>
+            </a:r>
+            <a:r>
+              <a:rPr lang="bg-BG" sz="3000" b="1" dirty="0"/>
+              <a:t>две кръстосани линии</a:t>
+            </a:r>
+            <a:r>
+              <a:rPr lang="bg-BG" sz="3000" dirty="0"/>
+              <a:t> в </a:t>
+            </a:r>
+            <a:r>
+              <a:rPr lang="bg-BG" sz="3000" b="1" dirty="0"/>
+              <a:t>правоъгълника</a:t>
+            </a:r>
+          </a:p>
+          <a:p>
+            <a:endParaRPr lang="bg-BG" sz="3000" b="1" dirty="0"/>
+          </a:p>
+          <a:p>
+            <a:r>
+              <a:rPr lang="bg-BG" sz="3000" dirty="0"/>
+              <a:t>Поставяме формата в </a:t>
+            </a:r>
+            <a:r>
+              <a:rPr lang="bg-BG" sz="3000" b="1" dirty="0"/>
+              <a:t>хедъра</a:t>
+            </a:r>
+            <a:r>
+              <a:rPr lang="bg-BG" sz="3000" dirty="0"/>
+              <a:t> </a:t>
+            </a:r>
+            <a:r>
+              <a:rPr lang="bg-BG" sz="3000" b="1" dirty="0"/>
+              <a:t>отляво</a:t>
+            </a:r>
+          </a:p>
+          <a:p>
+            <a:r>
+              <a:rPr lang="bg-BG" sz="3000" dirty="0">
+                <a:latin typeface="Calibri" panose="020F0502020204030204" pitchFamily="34" charset="0"/>
+                <a:cs typeface="Calibri" panose="020F0502020204030204" pitchFamily="34" charset="0"/>
+              </a:rPr>
+              <a:t>Това е </a:t>
+            </a:r>
+            <a:r>
+              <a:rPr lang="en-US" sz="3000" b="1" dirty="0">
                 <a:solidFill>
                   <a:schemeClr val="bg1"/>
                 </a:solidFill>
-                <a:latin typeface="Consolas" panose="020B0609020204030204" pitchFamily="49" charset="0"/>
-                <a:cs typeface="Consolas" panose="020B0609020204030204" pitchFamily="49" charset="0"/>
+                <a:latin typeface="Calibri" panose="020F0502020204030204" pitchFamily="34" charset="0"/>
+                <a:cs typeface="Calibri" panose="020F0502020204030204" pitchFamily="34" charset="0"/>
               </a:rPr>
-              <a:t>Изображение</a:t>
-            </a:r>
-            <a:r>
-              <a:rPr lang="bg-BG" sz="3600" dirty="0"/>
-              <a:t> и </a:t>
-            </a:r>
-            <a:r>
-              <a:rPr lang="bg-BG" sz="3600" b="1" dirty="0">
+              <a:t>placeholder</a:t>
+            </a:r>
+            <a:r>
+              <a:rPr lang="en-US" sz="3000" dirty="0">
+                <a:latin typeface="Calibri" panose="020F0502020204030204" pitchFamily="34" charset="0"/>
+                <a:cs typeface="Calibri" panose="020F0502020204030204" pitchFamily="34" charset="0"/>
+              </a:rPr>
+              <a:t> </a:t>
+            </a:r>
+            <a:r>
+              <a:rPr lang="bg-BG" sz="3000" dirty="0">
+                <a:latin typeface="Calibri" panose="020F0502020204030204" pitchFamily="34" charset="0"/>
+                <a:cs typeface="Calibri" panose="020F0502020204030204" pitchFamily="34" charset="0"/>
+              </a:rPr>
+              <a:t>за </a:t>
+            </a:r>
+            <a:r>
+              <a:rPr lang="bg-BG" sz="3000" b="1" dirty="0">
                 <a:solidFill>
                   <a:schemeClr val="bg1"/>
                 </a:solidFill>
-                <a:latin typeface="Consolas" panose="020B0609020204030204" pitchFamily="49" charset="0"/>
-                <a:cs typeface="Consolas" panose="020B0609020204030204" pitchFamily="49" charset="0"/>
+                <a:latin typeface="Calibri" panose="020F0502020204030204" pitchFamily="34" charset="0"/>
+                <a:cs typeface="Calibri" panose="020F0502020204030204" pitchFamily="34" charset="0"/>
               </a:rPr>
-              <a:t>Бутон</a:t>
-            </a:r>
-          </a:p>
-          <a:p>
-            <a:endParaRPr lang="bg-BG" sz="3600" b="1" dirty="0">
-              <a:solidFill>
-                <a:schemeClr val="bg1"/>
-              </a:solidFill>
-              <a:latin typeface="Consolas" panose="020B0609020204030204" pitchFamily="49" charset="0"/>
-              <a:cs typeface="Consolas" panose="020B0609020204030204" pitchFamily="49" charset="0"/>
-            </a:endParaRPr>
+              <a:t>изображение</a:t>
+            </a:r>
+            <a:r>
+              <a:rPr lang="bg-BG" sz="3000" dirty="0">
+                <a:latin typeface="Calibri" panose="020F0502020204030204" pitchFamily="34" charset="0"/>
+                <a:cs typeface="Calibri" panose="020F0502020204030204" pitchFamily="34" charset="0"/>
+              </a:rPr>
+              <a:t> на </a:t>
+            </a:r>
+            <a:r>
+              <a:rPr lang="bg-BG" sz="3000" b="1" dirty="0">
+                <a:latin typeface="Calibri" panose="020F0502020204030204" pitchFamily="34" charset="0"/>
+                <a:cs typeface="Calibri" panose="020F0502020204030204" pitchFamily="34" charset="0"/>
+              </a:rPr>
+              <a:t>логото</a:t>
+            </a:r>
           </a:p>
           <a:p>
             <a:pPr marL="0" indent="0">
@@ -23205,15 +24159,727 @@
           <a:p>
             <a:r>
               <a:rPr lang="bg-BG" dirty="0"/>
-              <a:t>Създаване на </a:t>
+              <a:t>Хедър (1</a:t>
             </a:r>
             <a:r>
               <a:rPr lang="en-US" dirty="0"/>
-              <a:t>Wireframe</a:t>
-            </a:r>
+              <a:t>)</a:t>
+            </a:r>
+            <a:endParaRPr lang="en-BG" dirty="0"/>
+          </a:p>
+        </p:txBody>
+      </p:sp>
+      <p:pic>
+        <p:nvPicPr>
+          <p:cNvPr id="7" name="Picture 6">
+            <a:extLst>
+              <a:ext uri="{FF2B5EF4-FFF2-40B4-BE49-F238E27FC236}">
+                <a16:creationId xmlns:a16="http://schemas.microsoft.com/office/drawing/2014/main" id="{C7A9BD49-046F-2415-3C85-F40FF5B63F10}"/>
+              </a:ext>
+            </a:extLst>
+          </p:cNvPr>
+          <p:cNvPicPr>
+            <a:picLocks noChangeAspect="1"/>
+          </p:cNvPicPr>
+          <p:nvPr/>
+        </p:nvPicPr>
+        <p:blipFill>
+          <a:blip r:embed="rId3">
+            <a:extLst>
+              <a:ext uri="{28A0092B-C50C-407E-A947-70E740481C1C}">
+                <a14:useLocalDpi xmlns:a14="http://schemas.microsoft.com/office/drawing/2010/main" val="0"/>
+              </a:ext>
+            </a:extLst>
+          </a:blip>
+          <a:srcRect/>
+          <a:stretch/>
+        </p:blipFill>
+        <p:spPr>
+          <a:xfrm>
+            <a:off x="1546902" y="5668715"/>
+            <a:ext cx="9098196" cy="900503"/>
+          </a:xfrm>
+          <a:prstGeom prst="rect">
+            <a:avLst/>
+          </a:prstGeom>
+          <a:ln>
+            <a:noFill/>
+          </a:ln>
+        </p:spPr>
+      </p:pic>
+      <p:pic>
+        <p:nvPicPr>
+          <p:cNvPr id="6" name="Picture 5">
+            <a:extLst>
+              <a:ext uri="{FF2B5EF4-FFF2-40B4-BE49-F238E27FC236}">
+                <a16:creationId xmlns:a16="http://schemas.microsoft.com/office/drawing/2014/main" id="{34D3D57D-4BD3-23F1-E5DA-8F922DEB3C44}"/>
+              </a:ext>
+            </a:extLst>
+          </p:cNvPr>
+          <p:cNvPicPr>
+            <a:picLocks noChangeAspect="1"/>
+          </p:cNvPicPr>
+          <p:nvPr/>
+        </p:nvPicPr>
+        <p:blipFill>
+          <a:blip r:embed="rId4">
+            <a:extLst>
+              <a:ext uri="{28A0092B-C50C-407E-A947-70E740481C1C}">
+                <a14:useLocalDpi xmlns:a14="http://schemas.microsoft.com/office/drawing/2010/main" val="0"/>
+              </a:ext>
+            </a:extLst>
+          </a:blip>
+          <a:stretch>
+            <a:fillRect/>
+          </a:stretch>
+        </p:blipFill>
+        <p:spPr>
+          <a:xfrm>
+            <a:off x="606000" y="2394000"/>
+            <a:ext cx="2475000" cy="720570"/>
+          </a:xfrm>
+          <a:prstGeom prst="rect">
+            <a:avLst/>
+          </a:prstGeom>
+          <a:ln>
+            <a:solidFill>
+              <a:schemeClr val="bg2">
+                <a:lumMod val="75000"/>
+              </a:schemeClr>
+            </a:solidFill>
+          </a:ln>
+        </p:spPr>
+      </p:pic>
+      <p:pic>
+        <p:nvPicPr>
+          <p:cNvPr id="12" name="Picture 11">
+            <a:extLst>
+              <a:ext uri="{FF2B5EF4-FFF2-40B4-BE49-F238E27FC236}">
+                <a16:creationId xmlns:a16="http://schemas.microsoft.com/office/drawing/2014/main" id="{B551F578-BE23-F64E-71F4-B9C048F0A729}"/>
+              </a:ext>
+            </a:extLst>
+          </p:cNvPr>
+          <p:cNvPicPr>
+            <a:picLocks noChangeAspect="1"/>
+          </p:cNvPicPr>
+          <p:nvPr/>
+        </p:nvPicPr>
+        <p:blipFill>
+          <a:blip r:embed="rId5">
+            <a:extLst>
+              <a:ext uri="{28A0092B-C50C-407E-A947-70E740481C1C}">
+                <a14:useLocalDpi xmlns:a14="http://schemas.microsoft.com/office/drawing/2010/main" val="0"/>
+              </a:ext>
+            </a:extLst>
+          </a:blip>
+          <a:stretch>
+            <a:fillRect/>
+          </a:stretch>
+        </p:blipFill>
+        <p:spPr>
+          <a:xfrm>
+            <a:off x="606000" y="3564000"/>
+            <a:ext cx="1903448" cy="900000"/>
+          </a:xfrm>
+          <a:prstGeom prst="rect">
+            <a:avLst/>
+          </a:prstGeom>
+        </p:spPr>
+      </p:pic>
+    </p:spTree>
+    <p:extLst>
+      <p:ext uri="{BB962C8B-B14F-4D97-AF65-F5344CB8AC3E}">
+        <p14:creationId xmlns:p14="http://schemas.microsoft.com/office/powerpoint/2010/main" val="3587949808"/>
+      </p:ext>
+    </p:extLst>
+  </p:cSld>
+  <p:clrMapOvr>
+    <a:masterClrMapping/>
+  </p:clrMapOvr>
+  <mc:AlternateContent xmlns:mc="http://schemas.openxmlformats.org/markup-compatibility/2006" xmlns:p14="http://schemas.microsoft.com/office/powerpoint/2010/main">
+    <mc:Choice Requires="p14">
+      <p:transition spd="slow" p14:dur="2000" advClick="0" advTm="5000"/>
+    </mc:Choice>
+    <mc:Fallback xmlns="">
+      <p:transition spd="slow" advClick="0" advTm="5000"/>
+    </mc:Fallback>
+  </mc:AlternateContent>
+  <p:timing>
+    <p:tnLst>
+      <p:par>
+        <p:cTn id="1" dur="indefinite" restart="never" nodeType="tmRoot">
+          <p:childTnLst>
+            <p:seq concurrent="1" nextAc="seek">
+              <p:cTn id="2" dur="indefinite" nodeType="mainSeq">
+                <p:childTnLst>
+                  <p:par>
+                    <p:cTn id="3" fill="hold">
+                      <p:stCondLst>
+                        <p:cond delay="indefinite"/>
+                      </p:stCondLst>
+                      <p:childTnLst>
+                        <p:par>
+                          <p:cTn id="4" fill="hold">
+                            <p:stCondLst>
+                              <p:cond delay="0"/>
+                            </p:stCondLst>
+                            <p:childTnLst>
+                              <p:par>
+                                <p:cTn id="5" presetID="1" presetClass="entr" presetSubtype="0" fill="hold" nodeType="clickEffect">
+                                  <p:stCondLst>
+                                    <p:cond delay="0"/>
+                                  </p:stCondLst>
+                                  <p:childTnLst>
+                                    <p:set>
+                                      <p:cBhvr>
+                                        <p:cTn id="6" dur="1" fill="hold">
+                                          <p:stCondLst>
+                                            <p:cond delay="0"/>
+                                          </p:stCondLst>
+                                        </p:cTn>
+                                        <p:tgtEl>
+                                          <p:spTgt spid="2">
+                                            <p:txEl>
+                                              <p:pRg st="1" end="1"/>
+                                            </p:txEl>
+                                          </p:spTgt>
+                                        </p:tgtEl>
+                                        <p:attrNameLst>
+                                          <p:attrName>style.visibility</p:attrName>
+                                        </p:attrNameLst>
+                                      </p:cBhvr>
+                                      <p:to>
+                                        <p:strVal val="visible"/>
+                                      </p:to>
+                                    </p:set>
+                                  </p:childTnLst>
+                                </p:cTn>
+                              </p:par>
+                            </p:childTnLst>
+                          </p:cTn>
+                        </p:par>
+                      </p:childTnLst>
+                    </p:cTn>
+                  </p:par>
+                  <p:par>
+                    <p:cTn id="7" fill="hold">
+                      <p:stCondLst>
+                        <p:cond delay="indefinite"/>
+                      </p:stCondLst>
+                      <p:childTnLst>
+                        <p:par>
+                          <p:cTn id="8" fill="hold">
+                            <p:stCondLst>
+                              <p:cond delay="0"/>
+                            </p:stCondLst>
+                            <p:childTnLst>
+                              <p:par>
+                                <p:cTn id="9" presetID="1" presetClass="entr" presetSubtype="0" fill="hold" nodeType="clickEffect">
+                                  <p:stCondLst>
+                                    <p:cond delay="0"/>
+                                  </p:stCondLst>
+                                  <p:childTnLst>
+                                    <p:set>
+                                      <p:cBhvr>
+                                        <p:cTn id="10" dur="1" fill="hold">
+                                          <p:stCondLst>
+                                            <p:cond delay="0"/>
+                                          </p:stCondLst>
+                                        </p:cTn>
+                                        <p:tgtEl>
+                                          <p:spTgt spid="6"/>
+                                        </p:tgtEl>
+                                        <p:attrNameLst>
+                                          <p:attrName>style.visibility</p:attrName>
+                                        </p:attrNameLst>
+                                      </p:cBhvr>
+                                      <p:to>
+                                        <p:strVal val="visible"/>
+                                      </p:to>
+                                    </p:set>
+                                  </p:childTnLst>
+                                </p:cTn>
+                              </p:par>
+                            </p:childTnLst>
+                          </p:cTn>
+                        </p:par>
+                      </p:childTnLst>
+                    </p:cTn>
+                  </p:par>
+                  <p:par>
+                    <p:cTn id="11" fill="hold">
+                      <p:stCondLst>
+                        <p:cond delay="indefinite"/>
+                      </p:stCondLst>
+                      <p:childTnLst>
+                        <p:par>
+                          <p:cTn id="12" fill="hold">
+                            <p:stCondLst>
+                              <p:cond delay="0"/>
+                            </p:stCondLst>
+                            <p:childTnLst>
+                              <p:par>
+                                <p:cTn id="13" presetID="1" presetClass="entr" presetSubtype="0" fill="hold" nodeType="clickEffect">
+                                  <p:stCondLst>
+                                    <p:cond delay="0"/>
+                                  </p:stCondLst>
+                                  <p:childTnLst>
+                                    <p:set>
+                                      <p:cBhvr>
+                                        <p:cTn id="14" dur="1" fill="hold">
+                                          <p:stCondLst>
+                                            <p:cond delay="0"/>
+                                          </p:stCondLst>
+                                        </p:cTn>
+                                        <p:tgtEl>
+                                          <p:spTgt spid="2">
+                                            <p:txEl>
+                                              <p:pRg st="3" end="3"/>
+                                            </p:txEl>
+                                          </p:spTgt>
+                                        </p:tgtEl>
+                                        <p:attrNameLst>
+                                          <p:attrName>style.visibility</p:attrName>
+                                        </p:attrNameLst>
+                                      </p:cBhvr>
+                                      <p:to>
+                                        <p:strVal val="visible"/>
+                                      </p:to>
+                                    </p:set>
+                                  </p:childTnLst>
+                                </p:cTn>
+                              </p:par>
+                            </p:childTnLst>
+                          </p:cTn>
+                        </p:par>
+                      </p:childTnLst>
+                    </p:cTn>
+                  </p:par>
+                  <p:par>
+                    <p:cTn id="15" fill="hold">
+                      <p:stCondLst>
+                        <p:cond delay="indefinite"/>
+                      </p:stCondLst>
+                      <p:childTnLst>
+                        <p:par>
+                          <p:cTn id="16" fill="hold">
+                            <p:stCondLst>
+                              <p:cond delay="0"/>
+                            </p:stCondLst>
+                            <p:childTnLst>
+                              <p:par>
+                                <p:cTn id="17" presetID="1" presetClass="entr" presetSubtype="0" fill="hold" nodeType="clickEffect">
+                                  <p:stCondLst>
+                                    <p:cond delay="0"/>
+                                  </p:stCondLst>
+                                  <p:childTnLst>
+                                    <p:set>
+                                      <p:cBhvr>
+                                        <p:cTn id="18" dur="1" fill="hold">
+                                          <p:stCondLst>
+                                            <p:cond delay="0"/>
+                                          </p:stCondLst>
+                                        </p:cTn>
+                                        <p:tgtEl>
+                                          <p:spTgt spid="12"/>
+                                        </p:tgtEl>
+                                        <p:attrNameLst>
+                                          <p:attrName>style.visibility</p:attrName>
+                                        </p:attrNameLst>
+                                      </p:cBhvr>
+                                      <p:to>
+                                        <p:strVal val="visible"/>
+                                      </p:to>
+                                    </p:set>
+                                  </p:childTnLst>
+                                </p:cTn>
+                              </p:par>
+                            </p:childTnLst>
+                          </p:cTn>
+                        </p:par>
+                      </p:childTnLst>
+                    </p:cTn>
+                  </p:par>
+                  <p:par>
+                    <p:cTn id="19" fill="hold">
+                      <p:stCondLst>
+                        <p:cond delay="indefinite"/>
+                      </p:stCondLst>
+                      <p:childTnLst>
+                        <p:par>
+                          <p:cTn id="20" fill="hold">
+                            <p:stCondLst>
+                              <p:cond delay="0"/>
+                            </p:stCondLst>
+                            <p:childTnLst>
+                              <p:par>
+                                <p:cTn id="21" presetID="1" presetClass="entr" presetSubtype="0" fill="hold" nodeType="clickEffect">
+                                  <p:stCondLst>
+                                    <p:cond delay="0"/>
+                                  </p:stCondLst>
+                                  <p:childTnLst>
+                                    <p:set>
+                                      <p:cBhvr>
+                                        <p:cTn id="22" dur="1" fill="hold">
+                                          <p:stCondLst>
+                                            <p:cond delay="0"/>
+                                          </p:stCondLst>
+                                        </p:cTn>
+                                        <p:tgtEl>
+                                          <p:spTgt spid="2">
+                                            <p:txEl>
+                                              <p:pRg st="5" end="5"/>
+                                            </p:txEl>
+                                          </p:spTgt>
+                                        </p:tgtEl>
+                                        <p:attrNameLst>
+                                          <p:attrName>style.visibility</p:attrName>
+                                        </p:attrNameLst>
+                                      </p:cBhvr>
+                                      <p:to>
+                                        <p:strVal val="visible"/>
+                                      </p:to>
+                                    </p:set>
+                                  </p:childTnLst>
+                                </p:cTn>
+                              </p:par>
+                            </p:childTnLst>
+                          </p:cTn>
+                        </p:par>
+                      </p:childTnLst>
+                    </p:cTn>
+                  </p:par>
+                  <p:par>
+                    <p:cTn id="23" fill="hold">
+                      <p:stCondLst>
+                        <p:cond delay="indefinite"/>
+                      </p:stCondLst>
+                      <p:childTnLst>
+                        <p:par>
+                          <p:cTn id="24" fill="hold">
+                            <p:stCondLst>
+                              <p:cond delay="0"/>
+                            </p:stCondLst>
+                            <p:childTnLst>
+                              <p:par>
+                                <p:cTn id="25" presetID="1" presetClass="entr" presetSubtype="0" fill="hold" nodeType="clickEffect">
+                                  <p:stCondLst>
+                                    <p:cond delay="0"/>
+                                  </p:stCondLst>
+                                  <p:childTnLst>
+                                    <p:set>
+                                      <p:cBhvr>
+                                        <p:cTn id="26" dur="1" fill="hold">
+                                          <p:stCondLst>
+                                            <p:cond delay="0"/>
+                                          </p:stCondLst>
+                                        </p:cTn>
+                                        <p:tgtEl>
+                                          <p:spTgt spid="2">
+                                            <p:txEl>
+                                              <p:pRg st="6" end="6"/>
+                                            </p:txEl>
+                                          </p:spTgt>
+                                        </p:tgtEl>
+                                        <p:attrNameLst>
+                                          <p:attrName>style.visibility</p:attrName>
+                                        </p:attrNameLst>
+                                      </p:cBhvr>
+                                      <p:to>
+                                        <p:strVal val="visible"/>
+                                      </p:to>
+                                    </p:set>
+                                  </p:childTnLst>
+                                </p:cTn>
+                              </p:par>
+                            </p:childTnLst>
+                          </p:cTn>
+                        </p:par>
+                      </p:childTnLst>
+                    </p:cTn>
+                  </p:par>
+                  <p:par>
+                    <p:cTn id="27" fill="hold">
+                      <p:stCondLst>
+                        <p:cond delay="indefinite"/>
+                      </p:stCondLst>
+                      <p:childTnLst>
+                        <p:par>
+                          <p:cTn id="28" fill="hold">
+                            <p:stCondLst>
+                              <p:cond delay="0"/>
+                            </p:stCondLst>
+                            <p:childTnLst>
+                              <p:par>
+                                <p:cTn id="29" presetID="1" presetClass="entr" presetSubtype="0" fill="hold" nodeType="clickEffect">
+                                  <p:stCondLst>
+                                    <p:cond delay="0"/>
+                                  </p:stCondLst>
+                                  <p:childTnLst>
+                                    <p:set>
+                                      <p:cBhvr>
+                                        <p:cTn id="30" dur="1" fill="hold">
+                                          <p:stCondLst>
+                                            <p:cond delay="0"/>
+                                          </p:stCondLst>
+                                        </p:cTn>
+                                        <p:tgtEl>
+                                          <p:spTgt spid="7"/>
+                                        </p:tgtEl>
+                                        <p:attrNameLst>
+                                          <p:attrName>style.visibility</p:attrName>
+                                        </p:attrNameLst>
+                                      </p:cBhvr>
+                                      <p:to>
+                                        <p:strVal val="visible"/>
+                                      </p:to>
+                                    </p:set>
+                                  </p:childTnLst>
+                                </p:cTn>
+                              </p:par>
+                            </p:childTnLst>
+                          </p:cTn>
+                        </p:par>
+                      </p:childTnLst>
+                    </p:cTn>
+                  </p:par>
+                </p:childTnLst>
+              </p:cTn>
+              <p:prevCondLst>
+                <p:cond evt="onPrev" delay="0">
+                  <p:tgtEl>
+                    <p:sldTgt/>
+                  </p:tgtEl>
+                </p:cond>
+              </p:prevCondLst>
+              <p:nextCondLst>
+                <p:cond evt="onNext" delay="0">
+                  <p:tgtEl>
+                    <p:sldTgt/>
+                  </p:tgtEl>
+                </p:cond>
+              </p:nextCondLst>
+            </p:seq>
+          </p:childTnLst>
+        </p:cTn>
+      </p:par>
+    </p:tnLst>
+  </p:timing>
+</p:sld>
+</file>
+
+<file path=ppt/slides/slide31.xml><?xml version="1.0" encoding="utf-8"?>
+<p:sld xmlns:a="http://schemas.openxmlformats.org/drawingml/2006/main" xmlns:r="http://schemas.openxmlformats.org/officeDocument/2006/relationships" xmlns:p="http://schemas.openxmlformats.org/presentationml/2006/main">
+  <p:cSld>
+    <p:spTree>
+      <p:nvGrpSpPr>
+        <p:cNvPr id="1" name=""/>
+        <p:cNvGrpSpPr/>
+        <p:nvPr/>
+      </p:nvGrpSpPr>
+      <p:grpSpPr>
+        <a:xfrm>
+          <a:off x="0" y="0"/>
+          <a:ext cx="0" cy="0"/>
+          <a:chOff x="0" y="0"/>
+          <a:chExt cx="0" cy="0"/>
+        </a:xfrm>
+      </p:grpSpPr>
+      <p:sp>
+        <p:nvSpPr>
+          <p:cNvPr id="9" name="Slide Number">
+            <a:extLst>
+              <a:ext uri="{FF2B5EF4-FFF2-40B4-BE49-F238E27FC236}">
+                <a16:creationId xmlns:a16="http://schemas.microsoft.com/office/drawing/2014/main" id="{8891F045-A272-4231-985A-53063F832AC8}"/>
+              </a:ext>
+            </a:extLst>
+          </p:cNvPr>
+          <p:cNvSpPr>
+            <a:spLocks noGrp="1"/>
+          </p:cNvSpPr>
+          <p:nvPr>
+            <p:ph type="sldNum" sz="quarter" idx="5"/>
+          </p:nvPr>
+        </p:nvSpPr>
+        <p:spPr>
+          <a:xfrm>
+            <a:off x="11753030" y="6507000"/>
+            <a:ext cx="367414" cy="297000"/>
+          </a:xfrm>
+        </p:spPr>
+        <p:txBody>
+          <a:bodyPr vert="horz" lIns="91440" tIns="45720" rIns="91440" bIns="45720" rtlCol="0" anchor="b"/>
+          <a:lstStyle>
+            <a:lvl1pPr algn="r">
+              <a:defRPr sz="1000"/>
+            </a:lvl1pPr>
+          </a:lstStyle>
+          <a:p>
+            <a:fld id="{2BF067CD-8E6B-4360-9AA8-C5DF2A48A6D1}" type="slidenum">
+              <a:rPr lang="en-US" smtClean="0"/>
+              <a:pPr/>
+              <a:t>31</a:t>
+            </a:fld>
+            <a:endParaRPr lang="en-US" dirty="0"/>
+          </a:p>
+        </p:txBody>
+      </p:sp>
+      <p:sp>
+        <p:nvSpPr>
+          <p:cNvPr id="2" name="Text Placeholder 4">
+            <a:extLst>
+              <a:ext uri="{FF2B5EF4-FFF2-40B4-BE49-F238E27FC236}">
+                <a16:creationId xmlns:a16="http://schemas.microsoft.com/office/drawing/2014/main" id="{0D4D3A2C-88C6-0657-2093-B55CEB7BCFB5}"/>
+              </a:ext>
+            </a:extLst>
+          </p:cNvPr>
+          <p:cNvSpPr>
+            <a:spLocks noGrp="1"/>
+          </p:cNvSpPr>
+          <p:nvPr>
+            <p:ph type="body" sz="quarter" idx="10"/>
+          </p:nvPr>
+        </p:nvSpPr>
+        <p:spPr>
+          <a:xfrm>
+            <a:off x="190402" y="1196125"/>
+            <a:ext cx="11818096" cy="5528766"/>
+          </a:xfrm>
+        </p:spPr>
+        <p:txBody>
+          <a:bodyPr>
+            <a:normAutofit/>
+          </a:bodyPr>
+          <a:lstStyle/>
+          <a:p>
+            <a:r>
+              <a:rPr lang="bg-BG" sz="3600" dirty="0"/>
+              <a:t>Избираме </a:t>
+            </a:r>
+            <a:r>
+              <a:rPr lang="bg-BG" sz="3600" b="1" dirty="0"/>
+              <a:t>инструмента </a:t>
+            </a:r>
+            <a:r>
+              <a:rPr lang="bg-BG" sz="3600" dirty="0"/>
+              <a:t>за </a:t>
+            </a:r>
+            <a:r>
+              <a:rPr lang="bg-BG" sz="3600" b="1" dirty="0">
+                <a:solidFill>
+                  <a:schemeClr val="bg1"/>
+                </a:solidFill>
+              </a:rPr>
+              <a:t>текст</a:t>
+            </a:r>
+          </a:p>
+          <a:p>
+            <a:r>
+              <a:rPr lang="bg-BG" sz="3600" dirty="0"/>
+              <a:t>Пишем в </a:t>
+            </a:r>
+            <a:r>
+              <a:rPr lang="bg-BG" sz="3600" b="1" dirty="0"/>
+              <a:t>хедъра</a:t>
+            </a:r>
+            <a:r>
+              <a:rPr lang="bg-BG" sz="3600" dirty="0"/>
+              <a:t> </a:t>
+            </a:r>
+            <a:r>
+              <a:rPr lang="bg-BG" sz="3600" b="1" dirty="0"/>
+              <a:t>отдясно</a:t>
+            </a:r>
+            <a:r>
+              <a:rPr lang="bg-BG" sz="3600" dirty="0"/>
+              <a:t> </a:t>
+            </a:r>
+            <a:r>
+              <a:rPr lang="bg-BG" sz="3600" b="1" dirty="0">
+                <a:solidFill>
+                  <a:schemeClr val="bg1"/>
+                </a:solidFill>
+                <a:latin typeface="Consolas" panose="020B0609020204030204" pitchFamily="49" charset="0"/>
+                <a:cs typeface="Consolas" panose="020B0609020204030204" pitchFamily="49" charset="0"/>
+              </a:rPr>
+              <a:t>Меню</a:t>
+            </a:r>
+            <a:endParaRPr lang="en-US" sz="3600" b="1" dirty="0">
+              <a:solidFill>
+                <a:schemeClr val="bg1"/>
+              </a:solidFill>
+              <a:latin typeface="Consolas" panose="020B0609020204030204" pitchFamily="49" charset="0"/>
+              <a:cs typeface="Consolas" panose="020B0609020204030204" pitchFamily="49" charset="0"/>
+            </a:endParaRPr>
+          </a:p>
+          <a:p>
+            <a:endParaRPr lang="en-US" sz="3600" b="1" dirty="0">
+              <a:solidFill>
+                <a:schemeClr val="bg1"/>
+              </a:solidFill>
+              <a:latin typeface="Consolas" panose="020B0609020204030204" pitchFamily="49" charset="0"/>
+              <a:cs typeface="Consolas" panose="020B0609020204030204" pitchFamily="49" charset="0"/>
+            </a:endParaRPr>
+          </a:p>
+          <a:p>
+            <a:endParaRPr lang="en-US" sz="3600" b="1" dirty="0">
+              <a:solidFill>
+                <a:schemeClr val="bg1"/>
+              </a:solidFill>
+              <a:latin typeface="Consolas" panose="020B0609020204030204" pitchFamily="49" charset="0"/>
+              <a:cs typeface="Consolas" panose="020B0609020204030204" pitchFamily="49" charset="0"/>
+            </a:endParaRPr>
+          </a:p>
+          <a:p>
+            <a:endParaRPr lang="bg-BG" sz="3600" b="1" dirty="0">
+              <a:solidFill>
+                <a:schemeClr val="bg1"/>
+              </a:solidFill>
+              <a:latin typeface="Consolas" panose="020B0609020204030204" pitchFamily="49" charset="0"/>
+              <a:cs typeface="Consolas" panose="020B0609020204030204" pitchFamily="49" charset="0"/>
+            </a:endParaRPr>
+          </a:p>
+          <a:p>
+            <a:pPr marL="0" indent="0">
+              <a:buNone/>
+            </a:pPr>
+            <a:endParaRPr lang="bg-BG" sz="3600" dirty="0"/>
+          </a:p>
+        </p:txBody>
+      </p:sp>
+      <p:sp>
+        <p:nvSpPr>
+          <p:cNvPr id="3" name="Title 3">
+            <a:extLst>
+              <a:ext uri="{FF2B5EF4-FFF2-40B4-BE49-F238E27FC236}">
+                <a16:creationId xmlns:a16="http://schemas.microsoft.com/office/drawing/2014/main" id="{F6C5A2A5-9D43-35F8-B488-A60AEEC40CA5}"/>
+              </a:ext>
+            </a:extLst>
+          </p:cNvPr>
+          <p:cNvSpPr>
+            <a:spLocks noGrp="1"/>
+          </p:cNvSpPr>
+          <p:nvPr>
+            <p:ph type="title"/>
+          </p:nvPr>
+        </p:nvSpPr>
+        <p:spPr>
+          <a:xfrm>
+            <a:off x="190406" y="100750"/>
+            <a:ext cx="10270594" cy="882654"/>
+          </a:xfrm>
+        </p:spPr>
+        <p:txBody>
+          <a:bodyPr/>
+          <a:lstStyle/>
+          <a:p>
             <a:r>
               <a:rPr lang="bg-BG" dirty="0"/>
-              <a:t> (5)</a:t>
+              <a:t>Хедър (2</a:t>
+            </a:r>
+            <a:r>
+              <a:rPr lang="en-US" dirty="0"/>
+              <a:t>)</a:t>
             </a:r>
             <a:endParaRPr lang="en-BG" dirty="0"/>
           </a:p>
@@ -23234,7 +24900,7 @@
           <p:nvPr/>
         </p:nvPicPr>
         <p:blipFill rotWithShape="1">
-          <a:blip r:embed="rId4">
+          <a:blip r:embed="rId3">
             <a:extLst>
               <a:ext uri="{28A0092B-C50C-407E-A947-70E740481C1C}">
                 <a14:useLocalDpi xmlns:a14="http://schemas.microsoft.com/office/drawing/2010/main" val="0"/>
@@ -23276,7 +24942,7 @@
           <p:nvPr/>
         </p:nvPicPr>
         <p:blipFill>
-          <a:blip r:embed="rId5">
+          <a:blip r:embed="rId4">
             <a:extLst>
               <a:ext uri="{28A0092B-C50C-407E-A947-70E740481C1C}">
                 <a14:useLocalDpi xmlns:a14="http://schemas.microsoft.com/office/drawing/2010/main" val="0"/>
@@ -23288,8 +24954,8 @@
         </p:blipFill>
         <p:spPr>
           <a:xfrm>
-            <a:off x="5071810" y="2935988"/>
-            <a:ext cx="6702797" cy="684541"/>
+            <a:off x="5071810" y="2939489"/>
+            <a:ext cx="6702797" cy="677539"/>
           </a:xfrm>
           <a:prstGeom prst="rect">
             <a:avLst/>
@@ -23375,60 +25041,21 @@
           </a:p>
         </p:txBody>
       </p:sp>
-      <p:pic>
-        <p:nvPicPr>
-          <p:cNvPr id="11" name="Picture 10">
-            <a:extLst>
-              <a:ext uri="{FF2B5EF4-FFF2-40B4-BE49-F238E27FC236}">
-                <a16:creationId xmlns:a16="http://schemas.microsoft.com/office/drawing/2014/main" id="{C251B3E1-C3D1-89CD-F0F4-789682E08090}"/>
-              </a:ext>
-            </a:extLst>
-          </p:cNvPr>
-          <p:cNvPicPr>
-            <a:picLocks noChangeAspect="1"/>
-          </p:cNvPicPr>
-          <p:nvPr/>
-        </p:nvPicPr>
-        <p:blipFill>
-          <a:blip r:embed="rId6">
-            <a:extLst>
-              <a:ext uri="{28A0092B-C50C-407E-A947-70E740481C1C}">
-                <a14:useLocalDpi xmlns:a14="http://schemas.microsoft.com/office/drawing/2010/main" val="0"/>
-              </a:ext>
-            </a:extLst>
-          </a:blip>
-          <a:stretch>
-            <a:fillRect/>
-          </a:stretch>
-        </p:blipFill>
-        <p:spPr>
-          <a:xfrm>
-            <a:off x="438756" y="4845618"/>
-            <a:ext cx="6678462" cy="1632513"/>
-          </a:xfrm>
-          <a:prstGeom prst="rect">
-            <a:avLst/>
-          </a:prstGeom>
-          <a:ln>
-            <a:noFill/>
-          </a:ln>
-        </p:spPr>
-      </p:pic>
     </p:spTree>
     <p:extLst>
       <p:ext uri="{BB962C8B-B14F-4D97-AF65-F5344CB8AC3E}">
-        <p14:creationId xmlns:p14="http://schemas.microsoft.com/office/powerpoint/2010/main" val="3587949808"/>
+        <p14:creationId xmlns:p14="http://schemas.microsoft.com/office/powerpoint/2010/main" val="1676705590"/>
       </p:ext>
     </p:extLst>
   </p:cSld>
   <p:clrMapOvr>
     <a:masterClrMapping/>
   </p:clrMapOvr>
-  <mc:AlternateContent xmlns:mc="http://schemas.openxmlformats.org/markup-compatibility/2006" xmlns:p14="http://schemas.microsoft.com/office/powerpoint/2010/main">
-    <mc:Choice Requires="p14">
+  <mc:AlternateContent xmlns:mc="http://schemas.openxmlformats.org/markup-compatibility/2006">
+    <mc:Choice xmlns:p14="http://schemas.microsoft.com/office/powerpoint/2010/main" Requires="p14">
       <p:transition spd="slow" p14:dur="2000" advClick="0" advTm="5000"/>
     </mc:Choice>
-    <mc:Fallback xmlns="">
+    <mc:Fallback>
       <p:transition spd="slow" advClick="0" advTm="5000"/>
     </mc:Fallback>
   </mc:AlternateContent>
@@ -23624,27 +25251,364 @@
                       </p:childTnLst>
                     </p:cTn>
                   </p:par>
+                </p:childTnLst>
+              </p:cTn>
+              <p:prevCondLst>
+                <p:cond evt="onPrev" delay="0">
+                  <p:tgtEl>
+                    <p:sldTgt/>
+                  </p:tgtEl>
+                </p:cond>
+              </p:prevCondLst>
+              <p:nextCondLst>
+                <p:cond evt="onNext" delay="0">
+                  <p:tgtEl>
+                    <p:sldTgt/>
+                  </p:tgtEl>
+                </p:cond>
+              </p:nextCondLst>
+            </p:seq>
+          </p:childTnLst>
+        </p:cTn>
+      </p:par>
+    </p:tnLst>
+    <p:bldLst>
+      <p:bldP spid="8" grpId="0" animBg="1"/>
+    </p:bldLst>
+  </p:timing>
+</p:sld>
+</file>
+
+<file path=ppt/slides/slide32.xml><?xml version="1.0" encoding="utf-8"?>
+<p:sld xmlns:a="http://schemas.openxmlformats.org/drawingml/2006/main" xmlns:r="http://schemas.openxmlformats.org/officeDocument/2006/relationships" xmlns:p="http://schemas.openxmlformats.org/presentationml/2006/main">
+  <p:cSld>
+    <p:spTree>
+      <p:nvGrpSpPr>
+        <p:cNvPr id="1" name=""/>
+        <p:cNvGrpSpPr/>
+        <p:nvPr/>
+      </p:nvGrpSpPr>
+      <p:grpSpPr>
+        <a:xfrm>
+          <a:off x="0" y="0"/>
+          <a:ext cx="0" cy="0"/>
+          <a:chOff x="0" y="0"/>
+          <a:chExt cx="0" cy="0"/>
+        </a:xfrm>
+      </p:grpSpPr>
+      <p:sp>
+        <p:nvSpPr>
+          <p:cNvPr id="9" name="Slide Number">
+            <a:extLst>
+              <a:ext uri="{FF2B5EF4-FFF2-40B4-BE49-F238E27FC236}">
+                <a16:creationId xmlns:a16="http://schemas.microsoft.com/office/drawing/2014/main" id="{8891F045-A272-4231-985A-53063F832AC8}"/>
+              </a:ext>
+            </a:extLst>
+          </p:cNvPr>
+          <p:cNvSpPr>
+            <a:spLocks noGrp="1"/>
+          </p:cNvSpPr>
+          <p:nvPr>
+            <p:ph type="sldNum" sz="quarter" idx="5"/>
+          </p:nvPr>
+        </p:nvSpPr>
+        <p:spPr>
+          <a:xfrm>
+            <a:off x="11753030" y="6507000"/>
+            <a:ext cx="367414" cy="297000"/>
+          </a:xfrm>
+        </p:spPr>
+        <p:txBody>
+          <a:bodyPr vert="horz" lIns="91440" tIns="45720" rIns="91440" bIns="45720" rtlCol="0" anchor="b"/>
+          <a:lstStyle>
+            <a:lvl1pPr algn="r">
+              <a:defRPr sz="1000"/>
+            </a:lvl1pPr>
+          </a:lstStyle>
+          <a:p>
+            <a:fld id="{2BF067CD-8E6B-4360-9AA8-C5DF2A48A6D1}" type="slidenum">
+              <a:rPr lang="en-US" smtClean="0"/>
+              <a:pPr/>
+              <a:t>32</a:t>
+            </a:fld>
+            <a:endParaRPr lang="en-US" dirty="0"/>
+          </a:p>
+        </p:txBody>
+      </p:sp>
+      <p:sp>
+        <p:nvSpPr>
+          <p:cNvPr id="2" name="Text Placeholder 4">
+            <a:extLst>
+              <a:ext uri="{FF2B5EF4-FFF2-40B4-BE49-F238E27FC236}">
+                <a16:creationId xmlns:a16="http://schemas.microsoft.com/office/drawing/2014/main" id="{0D4D3A2C-88C6-0657-2093-B55CEB7BCFB5}"/>
+              </a:ext>
+            </a:extLst>
+          </p:cNvPr>
+          <p:cNvSpPr>
+            <a:spLocks noGrp="1"/>
+          </p:cNvSpPr>
+          <p:nvPr>
+            <p:ph type="body" sz="quarter" idx="10"/>
+          </p:nvPr>
+        </p:nvSpPr>
+        <p:spPr>
+          <a:xfrm>
+            <a:off x="190402" y="1196125"/>
+            <a:ext cx="11818096" cy="5528766"/>
+          </a:xfrm>
+        </p:spPr>
+        <p:txBody>
+          <a:bodyPr>
+            <a:normAutofit/>
+          </a:bodyPr>
+          <a:lstStyle/>
+          <a:p>
+            <a:r>
+              <a:rPr lang="bg-BG" sz="3600" dirty="0"/>
+              <a:t>Създаваме </a:t>
+            </a:r>
+            <a:r>
+              <a:rPr lang="en-US" sz="3600" b="1" dirty="0"/>
+              <a:t>placeholder</a:t>
+            </a:r>
+            <a:r>
+              <a:rPr lang="en-US" sz="3600" dirty="0"/>
+              <a:t> за</a:t>
+            </a:r>
+            <a:r>
+              <a:rPr lang="bg-BG" sz="3600" dirty="0"/>
+              <a:t> </a:t>
+            </a:r>
+            <a:r>
+              <a:rPr lang="bg-BG" sz="3600" b="1" dirty="0">
+                <a:solidFill>
+                  <a:schemeClr val="bg1"/>
+                </a:solidFill>
+              </a:rPr>
+              <a:t>изображение</a:t>
+            </a:r>
+          </a:p>
+          <a:p>
+            <a:r>
+              <a:rPr lang="bg-BG" sz="3600" dirty="0"/>
+              <a:t>Пишем в </a:t>
+            </a:r>
+            <a:r>
+              <a:rPr lang="bg-BG" sz="3600" b="1" dirty="0"/>
+              <a:t>под изображението </a:t>
+            </a:r>
+            <a:r>
+              <a:rPr lang="bg-BG" sz="3600" dirty="0"/>
+              <a:t>в </a:t>
+            </a:r>
+            <a:r>
+              <a:rPr lang="en-US" sz="3600" b="1" dirty="0"/>
+              <a:t>hero </a:t>
+            </a:r>
+            <a:r>
+              <a:rPr lang="bg-BG" sz="3600" b="1" dirty="0"/>
+              <a:t>секцията </a:t>
+            </a:r>
+            <a:r>
+              <a:rPr lang="bg-BG" sz="3600" b="1" dirty="0">
+                <a:solidFill>
+                  <a:schemeClr val="bg1"/>
+                </a:solidFill>
+                <a:latin typeface="Consolas" panose="020B0609020204030204" pitchFamily="49" charset="0"/>
+                <a:cs typeface="Consolas" panose="020B0609020204030204" pitchFamily="49" charset="0"/>
+              </a:rPr>
+              <a:t>Бутон</a:t>
+            </a:r>
+          </a:p>
+          <a:p>
+            <a:endParaRPr lang="bg-BG" sz="3600" b="1" dirty="0">
+              <a:solidFill>
+                <a:schemeClr val="bg1"/>
+              </a:solidFill>
+              <a:latin typeface="Consolas" panose="020B0609020204030204" pitchFamily="49" charset="0"/>
+              <a:cs typeface="Consolas" panose="020B0609020204030204" pitchFamily="49" charset="0"/>
+            </a:endParaRPr>
+          </a:p>
+          <a:p>
+            <a:pPr marL="0" indent="0">
+              <a:buNone/>
+            </a:pPr>
+            <a:endParaRPr lang="bg-BG" sz="3600" dirty="0"/>
+          </a:p>
+        </p:txBody>
+      </p:sp>
+      <p:sp>
+        <p:nvSpPr>
+          <p:cNvPr id="3" name="Title 3">
+            <a:extLst>
+              <a:ext uri="{FF2B5EF4-FFF2-40B4-BE49-F238E27FC236}">
+                <a16:creationId xmlns:a16="http://schemas.microsoft.com/office/drawing/2014/main" id="{F6C5A2A5-9D43-35F8-B488-A60AEEC40CA5}"/>
+              </a:ext>
+            </a:extLst>
+          </p:cNvPr>
+          <p:cNvSpPr>
+            <a:spLocks noGrp="1"/>
+          </p:cNvSpPr>
+          <p:nvPr>
+            <p:ph type="title"/>
+          </p:nvPr>
+        </p:nvSpPr>
+        <p:spPr>
+          <a:xfrm>
+            <a:off x="190406" y="100750"/>
+            <a:ext cx="10270594" cy="882654"/>
+          </a:xfrm>
+        </p:spPr>
+        <p:txBody>
+          <a:bodyPr/>
+          <a:lstStyle/>
+          <a:p>
+            <a:r>
+              <a:rPr lang="en-US" dirty="0"/>
+              <a:t>Hero </a:t>
+            </a:r>
+            <a:r>
+              <a:rPr lang="bg-BG" dirty="0"/>
+              <a:t>секция</a:t>
+            </a:r>
+            <a:endParaRPr lang="en-BG" dirty="0"/>
+          </a:p>
+        </p:txBody>
+      </p:sp>
+      <p:pic>
+        <p:nvPicPr>
+          <p:cNvPr id="11" name="Picture 10">
+            <a:extLst>
+              <a:ext uri="{FF2B5EF4-FFF2-40B4-BE49-F238E27FC236}">
+                <a16:creationId xmlns:a16="http://schemas.microsoft.com/office/drawing/2014/main" id="{C251B3E1-C3D1-89CD-F0F4-789682E08090}"/>
+              </a:ext>
+            </a:extLst>
+          </p:cNvPr>
+          <p:cNvPicPr>
+            <a:picLocks noChangeAspect="1"/>
+          </p:cNvPicPr>
+          <p:nvPr/>
+        </p:nvPicPr>
+        <p:blipFill>
+          <a:blip r:embed="rId3">
+            <a:extLst>
+              <a:ext uri="{28A0092B-C50C-407E-A947-70E740481C1C}">
+                <a14:useLocalDpi xmlns:a14="http://schemas.microsoft.com/office/drawing/2010/main" val="0"/>
+              </a:ext>
+            </a:extLst>
+          </a:blip>
+          <a:srcRect/>
+          <a:stretch/>
+        </p:blipFill>
+        <p:spPr>
+          <a:xfrm>
+            <a:off x="1308829" y="3186875"/>
+            <a:ext cx="9574341" cy="2475000"/>
+          </a:xfrm>
+          <a:prstGeom prst="rect">
+            <a:avLst/>
+          </a:prstGeom>
+          <a:ln>
+            <a:noFill/>
+          </a:ln>
+        </p:spPr>
+      </p:pic>
+    </p:spTree>
+    <p:extLst>
+      <p:ext uri="{BB962C8B-B14F-4D97-AF65-F5344CB8AC3E}">
+        <p14:creationId xmlns:p14="http://schemas.microsoft.com/office/powerpoint/2010/main" val="188225467"/>
+      </p:ext>
+    </p:extLst>
+  </p:cSld>
+  <p:clrMapOvr>
+    <a:masterClrMapping/>
+  </p:clrMapOvr>
+  <mc:AlternateContent xmlns:mc="http://schemas.openxmlformats.org/markup-compatibility/2006">
+    <mc:Choice xmlns:p14="http://schemas.microsoft.com/office/powerpoint/2010/main" Requires="p14">
+      <p:transition spd="slow" p14:dur="2000" advClick="0" advTm="5000"/>
+    </mc:Choice>
+    <mc:Fallback>
+      <p:transition spd="slow" advClick="0" advTm="5000"/>
+    </mc:Fallback>
+  </mc:AlternateContent>
+  <p:timing>
+    <p:tnLst>
+      <p:par>
+        <p:cTn id="1" dur="indefinite" restart="never" nodeType="tmRoot">
+          <p:childTnLst>
+            <p:seq concurrent="1" nextAc="seek">
+              <p:cTn id="2" dur="indefinite" nodeType="mainSeq">
+                <p:childTnLst>
                   <p:par>
-                    <p:cTn id="19" fill="hold">
+                    <p:cTn id="3" fill="hold">
                       <p:stCondLst>
                         <p:cond delay="indefinite"/>
                       </p:stCondLst>
                       <p:childTnLst>
                         <p:par>
-                          <p:cTn id="20" fill="hold">
+                          <p:cTn id="4" fill="hold">
                             <p:stCondLst>
                               <p:cond delay="0"/>
                             </p:stCondLst>
                             <p:childTnLst>
                               <p:par>
-                                <p:cTn id="21" presetID="1" presetClass="entr" presetSubtype="0" fill="hold" nodeType="clickEffect">
+                                <p:cTn id="5" presetID="1" presetClass="entr" presetSubtype="0" fill="hold" nodeType="clickEffect">
                                   <p:stCondLst>
                                     <p:cond delay="0"/>
                                   </p:stCondLst>
                                   <p:childTnLst>
                                     <p:set>
                                       <p:cBhvr>
-                                        <p:cTn id="22" dur="1" fill="hold">
+                                        <p:cTn id="6" dur="1" fill="hold">
+                                          <p:stCondLst>
+                                            <p:cond delay="0"/>
+                                          </p:stCondLst>
+                                        </p:cTn>
+                                        <p:tgtEl>
+                                          <p:spTgt spid="2">
+                                            <p:txEl>
+                                              <p:pRg st="1" end="1"/>
+                                            </p:txEl>
+                                          </p:spTgt>
+                                        </p:tgtEl>
+                                        <p:attrNameLst>
+                                          <p:attrName>style.visibility</p:attrName>
+                                        </p:attrNameLst>
+                                      </p:cBhvr>
+                                      <p:to>
+                                        <p:strVal val="visible"/>
+                                      </p:to>
+                                    </p:set>
+                                  </p:childTnLst>
+                                </p:cTn>
+                              </p:par>
+                            </p:childTnLst>
+                          </p:cTn>
+                        </p:par>
+                      </p:childTnLst>
+                    </p:cTn>
+                  </p:par>
+                  <p:par>
+                    <p:cTn id="7" fill="hold">
+                      <p:stCondLst>
+                        <p:cond delay="indefinite"/>
+                      </p:stCondLst>
+                      <p:childTnLst>
+                        <p:par>
+                          <p:cTn id="8" fill="hold">
+                            <p:stCondLst>
+                              <p:cond delay="0"/>
+                            </p:stCondLst>
+                            <p:childTnLst>
+                              <p:par>
+                                <p:cTn id="9" presetID="1" presetClass="entr" presetSubtype="0" fill="hold" nodeType="clickEffect">
+                                  <p:stCondLst>
+                                    <p:cond delay="0"/>
+                                  </p:stCondLst>
+                                  <p:childTnLst>
+                                    <p:set>
+                                      <p:cBhvr>
+                                        <p:cTn id="10" dur="1" fill="hold">
                                           <p:stCondLst>
                                             <p:cond delay="0"/>
                                           </p:stCondLst>
@@ -23690,19 +25654,11 @@
         </p:cTn>
       </p:par>
     </p:tnLst>
-    <p:bldLst>
-      <p:bldP spid="8" grpId="0" animBg="1"/>
-    </p:bldLst>
   </p:timing>
-  <p:extLst>
-    <p:ext uri="{6950BFC3-D8DA-4A85-94F7-54DA5524770B}">
-      <p188:commentRel xmlns:p188="http://schemas.microsoft.com/office/powerpoint/2018/8/main" r:id="rId3"/>
-    </p:ext>
-  </p:extLst>
 </p:sld>
 </file>
 
-<file path=ppt/slides/slide31.xml><?xml version="1.0" encoding="utf-8"?>
+<file path=ppt/slides/slide33.xml><?xml version="1.0" encoding="utf-8"?>
 <p:sld xmlns:a="http://schemas.openxmlformats.org/drawingml/2006/main" xmlns:r="http://schemas.openxmlformats.org/officeDocument/2006/relationships" xmlns:p="http://schemas.openxmlformats.org/presentationml/2006/main">
   <p:cSld>
     <p:spTree>
@@ -23752,7 +25708,7 @@
             <a:fld id="{2BF067CD-8E6B-4360-9AA8-C5DF2A48A6D1}" type="slidenum">
               <a:rPr lang="en-US" smtClean="0"/>
               <a:pPr/>
-              <a:t>31</a:t>
+              <a:t>33</a:t>
             </a:fld>
             <a:endParaRPr lang="en-US" dirty="0"/>
           </a:p>
@@ -23788,11 +25744,105 @@
           <a:p>
             <a:r>
               <a:rPr lang="bg-BG" sz="3200" dirty="0"/>
-              <a:t>Пишем в </a:t>
+              <a:t>Създаваме </a:t>
             </a:r>
             <a:r>
               <a:rPr lang="bg-BG" sz="3200" b="1" dirty="0"/>
-              <a:t>основното съдържание </a:t>
+              <a:t>маршрутите</a:t>
+            </a:r>
+            <a:r>
+              <a:rPr lang="bg-BG" sz="3200" dirty="0"/>
+              <a:t> под </a:t>
+            </a:r>
+            <a:r>
+              <a:rPr lang="bg-BG" sz="3200" b="1" dirty="0"/>
+              <a:t>формата</a:t>
+            </a:r>
+            <a:r>
+              <a:rPr lang="bg-BG" sz="3200" dirty="0"/>
+              <a:t> на </a:t>
+            </a:r>
+            <a:r>
+              <a:rPr lang="bg-BG" sz="3200" b="1" dirty="0">
+                <a:solidFill>
+                  <a:schemeClr val="bg1"/>
+                </a:solidFill>
+              </a:rPr>
+              <a:t>картички</a:t>
+            </a:r>
+          </a:p>
+          <a:p>
+            <a:r>
+              <a:rPr lang="bg-BG" sz="3200" dirty="0"/>
+              <a:t>За </a:t>
+            </a:r>
+            <a:r>
+              <a:rPr lang="bg-BG" sz="3200" b="1" dirty="0"/>
+              <a:t>всеки маршрут </a:t>
+            </a:r>
+            <a:r>
+              <a:rPr lang="bg-BG" sz="3200" dirty="0"/>
+              <a:t>чертаем </a:t>
+            </a:r>
+            <a:r>
+              <a:rPr lang="bg-BG" sz="3200" b="1" dirty="0"/>
+              <a:t>правоъгълник</a:t>
+            </a:r>
+            <a:r>
+              <a:rPr lang="bg-BG" sz="3200" dirty="0"/>
+              <a:t> с </a:t>
+            </a:r>
+            <a:r>
+              <a:rPr lang="en-US" sz="3200" b="1" dirty="0"/>
+              <a:t>placeholder</a:t>
+            </a:r>
+            <a:r>
+              <a:rPr lang="en-US" sz="3200" dirty="0"/>
+              <a:t> </a:t>
+            </a:r>
+            <a:r>
+              <a:rPr lang="bg-BG" sz="3200" dirty="0"/>
+              <a:t>за </a:t>
+            </a:r>
+            <a:r>
+              <a:rPr lang="bg-BG" sz="3200" b="1" dirty="0">
+                <a:solidFill>
+                  <a:schemeClr val="bg1"/>
+                </a:solidFill>
+              </a:rPr>
+              <a:t>изображение</a:t>
+            </a:r>
+            <a:r>
+              <a:rPr lang="bg-BG" sz="3200" dirty="0"/>
+              <a:t> и </a:t>
+            </a:r>
+            <a:r>
+              <a:rPr lang="bg-BG" sz="3200" b="1" dirty="0">
+                <a:solidFill>
+                  <a:schemeClr val="bg1"/>
+                </a:solidFill>
+              </a:rPr>
+              <a:t>текст</a:t>
+            </a:r>
+            <a:r>
+              <a:rPr lang="bg-BG" sz="3200" dirty="0"/>
+              <a:t> на съответния </a:t>
+            </a:r>
+            <a:r>
+              <a:rPr lang="bg-BG" sz="3200" b="1" dirty="0"/>
+              <a:t>маршрут</a:t>
+            </a:r>
+            <a:r>
+              <a:rPr lang="bg-BG" sz="3200" dirty="0"/>
+              <a:t> </a:t>
+            </a:r>
+            <a:r>
+              <a:rPr lang="en-US" sz="3200" dirty="0"/>
+              <a:t>–</a:t>
+            </a:r>
+            <a:r>
+              <a:rPr lang="bg-BG" sz="3200" dirty="0"/>
+              <a:t> </a:t>
             </a:r>
             <a:r>
               <a:rPr lang="bg-BG" sz="3200" b="1" dirty="0">
@@ -23926,68 +25976,6 @@
               <a:latin typeface="Consolas" panose="020B0609020204030204" pitchFamily="49" charset="0"/>
               <a:cs typeface="Consolas" panose="020B0609020204030204" pitchFamily="49" charset="0"/>
             </a:endParaRPr>
-          </a:p>
-          <a:p>
-            <a:r>
-              <a:rPr lang="bg-BG" sz="3200" dirty="0"/>
-              <a:t>Пишем във </a:t>
-            </a:r>
-            <a:r>
-              <a:rPr lang="bg-BG" sz="3200" b="1" dirty="0"/>
-              <a:t>футъра отляво </a:t>
-            </a:r>
-            <a:r>
-              <a:rPr lang="bg-BG" sz="3200" b="1" dirty="0">
-                <a:solidFill>
-                  <a:schemeClr val="bg1"/>
-                </a:solidFill>
-                <a:latin typeface="Consolas" panose="020B0609020204030204" pitchFamily="49" charset="0"/>
-                <a:cs typeface="Consolas" panose="020B0609020204030204" pitchFamily="49" charset="0"/>
-              </a:rPr>
-              <a:t>Контакти</a:t>
-            </a:r>
-            <a:r>
-              <a:rPr lang="bg-BG" sz="3200" dirty="0"/>
-              <a:t>, а </a:t>
-            </a:r>
-            <a:r>
-              <a:rPr lang="bg-BG" sz="3200" b="1" dirty="0"/>
-              <a:t>отдясно</a:t>
-            </a:r>
-            <a:r>
-              <a:rPr lang="bg-BG" sz="3200" dirty="0"/>
-              <a:t> </a:t>
-            </a:r>
-            <a:r>
-              <a:rPr lang="bg-BG" sz="3200" b="1" dirty="0">
-                <a:solidFill>
-                  <a:schemeClr val="bg1"/>
-                </a:solidFill>
-                <a:latin typeface="Consolas" panose="020B0609020204030204" pitchFamily="49" charset="0"/>
-                <a:cs typeface="Consolas" panose="020B0609020204030204" pitchFamily="49" charset="0"/>
-              </a:rPr>
-              <a:t>Авторски</a:t>
-            </a:r>
-            <a:r>
-              <a:rPr lang="bg-BG" sz="3200" b="1" dirty="0">
-                <a:solidFill>
-                  <a:schemeClr val="bg1"/>
-                </a:solidFill>
-                <a:latin typeface="Calibri" panose="020F0502020204030204" pitchFamily="34" charset="0"/>
-                <a:cs typeface="Calibri" panose="020F0502020204030204" pitchFamily="34" charset="0"/>
-              </a:rPr>
-              <a:t> </a:t>
-            </a:r>
-            <a:r>
-              <a:rPr lang="bg-BG" sz="3200" b="1" dirty="0">
-                <a:solidFill>
-                  <a:schemeClr val="bg1"/>
-                </a:solidFill>
-                <a:latin typeface="Consolas" panose="020B0609020204030204" pitchFamily="49" charset="0"/>
-                <a:cs typeface="Consolas" panose="020B0609020204030204" pitchFamily="49" charset="0"/>
-              </a:rPr>
-              <a:t>права</a:t>
-            </a:r>
           </a:p>
           <a:p>
             <a:endParaRPr lang="bg-BG" sz="3600" b="1" dirty="0">
@@ -24034,23 +26022,7 @@
           <a:p>
             <a:r>
               <a:rPr lang="bg-BG" dirty="0"/>
-              <a:t>Създаване на </a:t>
-            </a:r>
-            <a:r>
-              <a:rPr lang="en-US" dirty="0"/>
-              <a:t>Wireframe</a:t>
-            </a:r>
-            <a:r>
-              <a:rPr lang="bg-BG" dirty="0"/>
-              <a:t> (</a:t>
-            </a:r>
-            <a:r>
-              <a:rPr lang="en-US" dirty="0"/>
-              <a:t>6</a:t>
-            </a:r>
-            <a:r>
-              <a:rPr lang="bg-BG" dirty="0"/>
-              <a:t>)</a:t>
+              <a:t>Основно съдържание</a:t>
             </a:r>
             <a:endParaRPr lang="en-BG" dirty="0"/>
           </a:p>
@@ -24058,10 +26030,10 @@
       </p:sp>
       <p:pic>
         <p:nvPicPr>
-          <p:cNvPr id="5" name="Picture 4">
+          <p:cNvPr id="7" name="Picture 6">
             <a:extLst>
               <a:ext uri="{FF2B5EF4-FFF2-40B4-BE49-F238E27FC236}">
-                <a16:creationId xmlns:a16="http://schemas.microsoft.com/office/drawing/2014/main" id="{C3120F3C-AAE4-3A55-E50D-BFDB9257AB15}"/>
+                <a16:creationId xmlns:a16="http://schemas.microsoft.com/office/drawing/2014/main" id="{3CF1B181-9672-1883-A71F-FBCD09AEFD94}"/>
               </a:ext>
             </a:extLst>
           </p:cNvPr>
@@ -24071,7 +26043,7 @@
           <p:nvPr/>
         </p:nvPicPr>
         <p:blipFill>
-          <a:blip r:embed="rId4">
+          <a:blip r:embed="rId3">
             <a:extLst>
               <a:ext uri="{28A0092B-C50C-407E-A947-70E740481C1C}">
                 <a14:useLocalDpi xmlns:a14="http://schemas.microsoft.com/office/drawing/2010/main" val="0"/>
@@ -24084,54 +26056,12 @@
         </p:blipFill>
         <p:spPr>
           <a:xfrm>
-            <a:off x="561000" y="2394000"/>
-            <a:ext cx="4590000" cy="2142000"/>
+            <a:off x="2609691" y="3545055"/>
+            <a:ext cx="6724050" cy="3110445"/>
           </a:xfrm>
           <a:prstGeom prst="rect">
             <a:avLst/>
           </a:prstGeom>
-          <a:ln>
-            <a:noFill/>
-          </a:ln>
-        </p:spPr>
-      </p:pic>
-      <p:pic>
-        <p:nvPicPr>
-          <p:cNvPr id="6" name="Picture 5">
-            <a:extLst>
-              <a:ext uri="{FF2B5EF4-FFF2-40B4-BE49-F238E27FC236}">
-                <a16:creationId xmlns:a16="http://schemas.microsoft.com/office/drawing/2014/main" id="{8522FEF9-2061-45C1-D0E8-17A630CD4575}"/>
-              </a:ext>
-            </a:extLst>
-          </p:cNvPr>
-          <p:cNvPicPr>
-            <a:picLocks noChangeAspect="1"/>
-          </p:cNvPicPr>
-          <p:nvPr/>
-        </p:nvPicPr>
-        <p:blipFill>
-          <a:blip r:embed="rId5">
-            <a:extLst>
-              <a:ext uri="{28A0092B-C50C-407E-A947-70E740481C1C}">
-                <a14:useLocalDpi xmlns:a14="http://schemas.microsoft.com/office/drawing/2010/main" val="0"/>
-              </a:ext>
-            </a:extLst>
-          </a:blip>
-          <a:stretch>
-            <a:fillRect/>
-          </a:stretch>
-        </p:blipFill>
-        <p:spPr>
-          <a:xfrm>
-            <a:off x="561000" y="5732309"/>
-            <a:ext cx="7145560" cy="688091"/>
-          </a:xfrm>
-          <a:prstGeom prst="rect">
-            <a:avLst/>
-          </a:prstGeom>
-          <a:ln>
-            <a:noFill/>
-          </a:ln>
         </p:spPr>
       </p:pic>
     </p:spTree>
@@ -24186,7 +26116,11 @@
                                           </p:stCondLst>
                                         </p:cTn>
                                         <p:tgtEl>
-                                          <p:spTgt spid="5"/>
+                                          <p:spTgt spid="2">
+                                            <p:txEl>
+                                              <p:pRg st="1" end="1"/>
+                                            </p:txEl>
+                                          </p:spTgt>
                                         </p:tgtEl>
                                         <p:attrNameLst>
                                           <p:attrName>style.visibility</p:attrName>
@@ -24231,11 +26165,7 @@
                                           </p:stCondLst>
                                         </p:cTn>
                                         <p:tgtEl>
-                                          <p:spTgt spid="2">
-                                            <p:txEl>
-                                              <p:pRg st="4" end="4"/>
-                                            </p:txEl>
-                                          </p:spTgt>
+                                          <p:spTgt spid="7"/>
                                         </p:tgtEl>
                                         <p:attrNameLst>
                                           <p:attrName>style.visibility</p:attrName>
@@ -24254,27 +26184,312 @@
                       </p:childTnLst>
                     </p:cTn>
                   </p:par>
+                </p:childTnLst>
+              </p:cTn>
+              <p:prevCondLst>
+                <p:cond evt="onPrev" delay="0">
+                  <p:tgtEl>
+                    <p:sldTgt/>
+                  </p:tgtEl>
+                </p:cond>
+              </p:prevCondLst>
+              <p:nextCondLst>
+                <p:cond evt="onNext" delay="0">
+                  <p:tgtEl>
+                    <p:sldTgt/>
+                  </p:tgtEl>
+                </p:cond>
+              </p:nextCondLst>
+            </p:seq>
+          </p:childTnLst>
+        </p:cTn>
+      </p:par>
+    </p:tnLst>
+  </p:timing>
+</p:sld>
+</file>
+
+<file path=ppt/slides/slide34.xml><?xml version="1.0" encoding="utf-8"?>
+<p:sld xmlns:a="http://schemas.openxmlformats.org/drawingml/2006/main" xmlns:r="http://schemas.openxmlformats.org/officeDocument/2006/relationships" xmlns:p="http://schemas.openxmlformats.org/presentationml/2006/main">
+  <p:cSld>
+    <p:spTree>
+      <p:nvGrpSpPr>
+        <p:cNvPr id="1" name=""/>
+        <p:cNvGrpSpPr/>
+        <p:nvPr/>
+      </p:nvGrpSpPr>
+      <p:grpSpPr>
+        <a:xfrm>
+          <a:off x="0" y="0"/>
+          <a:ext cx="0" cy="0"/>
+          <a:chOff x="0" y="0"/>
+          <a:chExt cx="0" cy="0"/>
+        </a:xfrm>
+      </p:grpSpPr>
+      <p:sp>
+        <p:nvSpPr>
+          <p:cNvPr id="9" name="Slide Number">
+            <a:extLst>
+              <a:ext uri="{FF2B5EF4-FFF2-40B4-BE49-F238E27FC236}">
+                <a16:creationId xmlns:a16="http://schemas.microsoft.com/office/drawing/2014/main" id="{8891F045-A272-4231-985A-53063F832AC8}"/>
+              </a:ext>
+            </a:extLst>
+          </p:cNvPr>
+          <p:cNvSpPr>
+            <a:spLocks noGrp="1"/>
+          </p:cNvSpPr>
+          <p:nvPr>
+            <p:ph type="sldNum" sz="quarter" idx="5"/>
+          </p:nvPr>
+        </p:nvSpPr>
+        <p:spPr>
+          <a:xfrm>
+            <a:off x="11753030" y="6507000"/>
+            <a:ext cx="367414" cy="297000"/>
+          </a:xfrm>
+        </p:spPr>
+        <p:txBody>
+          <a:bodyPr vert="horz" lIns="91440" tIns="45720" rIns="91440" bIns="45720" rtlCol="0" anchor="b"/>
+          <a:lstStyle>
+            <a:lvl1pPr algn="r">
+              <a:defRPr sz="1000"/>
+            </a:lvl1pPr>
+          </a:lstStyle>
+          <a:p>
+            <a:fld id="{2BF067CD-8E6B-4360-9AA8-C5DF2A48A6D1}" type="slidenum">
+              <a:rPr lang="en-US" smtClean="0"/>
+              <a:pPr/>
+              <a:t>34</a:t>
+            </a:fld>
+            <a:endParaRPr lang="en-US" dirty="0"/>
+          </a:p>
+        </p:txBody>
+      </p:sp>
+      <p:sp>
+        <p:nvSpPr>
+          <p:cNvPr id="2" name="Text Placeholder 4">
+            <a:extLst>
+              <a:ext uri="{FF2B5EF4-FFF2-40B4-BE49-F238E27FC236}">
+                <a16:creationId xmlns:a16="http://schemas.microsoft.com/office/drawing/2014/main" id="{0D4D3A2C-88C6-0657-2093-B55CEB7BCFB5}"/>
+              </a:ext>
+            </a:extLst>
+          </p:cNvPr>
+          <p:cNvSpPr>
+            <a:spLocks noGrp="1"/>
+          </p:cNvSpPr>
+          <p:nvPr>
+            <p:ph type="body" sz="quarter" idx="10"/>
+          </p:nvPr>
+        </p:nvSpPr>
+        <p:spPr>
+          <a:xfrm>
+            <a:off x="190402" y="1196125"/>
+            <a:ext cx="11818096" cy="5528766"/>
+          </a:xfrm>
+        </p:spPr>
+        <p:txBody>
+          <a:bodyPr>
+            <a:normAutofit/>
+          </a:bodyPr>
+          <a:lstStyle/>
+          <a:p>
+            <a:r>
+              <a:rPr lang="bg-BG" sz="3200" dirty="0"/>
+              <a:t>Пишем във </a:t>
+            </a:r>
+            <a:r>
+              <a:rPr lang="bg-BG" sz="3200" b="1" dirty="0"/>
+              <a:t>футъра отляво </a:t>
+            </a:r>
+            <a:r>
+              <a:rPr lang="bg-BG" sz="3200" b="1" dirty="0">
+                <a:solidFill>
+                  <a:schemeClr val="bg1"/>
+                </a:solidFill>
+                <a:latin typeface="Consolas" panose="020B0609020204030204" pitchFamily="49" charset="0"/>
+                <a:cs typeface="Consolas" panose="020B0609020204030204" pitchFamily="49" charset="0"/>
+              </a:rPr>
+              <a:t>Контакти</a:t>
+            </a:r>
+            <a:r>
+              <a:rPr lang="bg-BG" sz="3200" dirty="0"/>
+              <a:t>, а </a:t>
+            </a:r>
+            <a:r>
+              <a:rPr lang="bg-BG" sz="3200" b="1" dirty="0"/>
+              <a:t>отдясно</a:t>
+            </a:r>
+            <a:r>
+              <a:rPr lang="bg-BG" sz="3200" dirty="0"/>
+              <a:t> </a:t>
+            </a:r>
+            <a:r>
+              <a:rPr lang="bg-BG" sz="3200" b="1" dirty="0">
+                <a:solidFill>
+                  <a:schemeClr val="bg1"/>
+                </a:solidFill>
+                <a:latin typeface="Consolas" panose="020B0609020204030204" pitchFamily="49" charset="0"/>
+                <a:cs typeface="Consolas" panose="020B0609020204030204" pitchFamily="49" charset="0"/>
+              </a:rPr>
+              <a:t>Авторски</a:t>
+            </a:r>
+            <a:r>
+              <a:rPr lang="bg-BG" sz="3200" b="1" dirty="0">
+                <a:solidFill>
+                  <a:schemeClr val="bg1"/>
+                </a:solidFill>
+                <a:latin typeface="Calibri" panose="020F0502020204030204" pitchFamily="34" charset="0"/>
+                <a:cs typeface="Calibri" panose="020F0502020204030204" pitchFamily="34" charset="0"/>
+              </a:rPr>
+              <a:t> </a:t>
+            </a:r>
+            <a:r>
+              <a:rPr lang="bg-BG" sz="3200" b="1" dirty="0">
+                <a:solidFill>
+                  <a:schemeClr val="bg1"/>
+                </a:solidFill>
+                <a:latin typeface="Consolas" panose="020B0609020204030204" pitchFamily="49" charset="0"/>
+                <a:cs typeface="Consolas" panose="020B0609020204030204" pitchFamily="49" charset="0"/>
+              </a:rPr>
+              <a:t>права</a:t>
+            </a:r>
+          </a:p>
+          <a:p>
+            <a:endParaRPr lang="bg-BG" sz="3600" b="1" dirty="0">
+              <a:solidFill>
+                <a:schemeClr val="bg1"/>
+              </a:solidFill>
+              <a:latin typeface="Consolas" panose="020B0609020204030204" pitchFamily="49" charset="0"/>
+              <a:cs typeface="Consolas" panose="020B0609020204030204" pitchFamily="49" charset="0"/>
+            </a:endParaRPr>
+          </a:p>
+          <a:p>
+            <a:pPr marL="0" indent="0">
+              <a:buNone/>
+            </a:pPr>
+            <a:endParaRPr lang="bg-BG" sz="3600" dirty="0"/>
+          </a:p>
+        </p:txBody>
+      </p:sp>
+      <p:sp>
+        <p:nvSpPr>
+          <p:cNvPr id="3" name="Title 3">
+            <a:extLst>
+              <a:ext uri="{FF2B5EF4-FFF2-40B4-BE49-F238E27FC236}">
+                <a16:creationId xmlns:a16="http://schemas.microsoft.com/office/drawing/2014/main" id="{F6C5A2A5-9D43-35F8-B488-A60AEEC40CA5}"/>
+              </a:ext>
+            </a:extLst>
+          </p:cNvPr>
+          <p:cNvSpPr>
+            <a:spLocks noGrp="1"/>
+          </p:cNvSpPr>
+          <p:nvPr>
+            <p:ph type="title"/>
+          </p:nvPr>
+        </p:nvSpPr>
+        <p:spPr>
+          <a:xfrm>
+            <a:off x="190406" y="100750"/>
+            <a:ext cx="10270594" cy="882654"/>
+          </a:xfrm>
+        </p:spPr>
+        <p:txBody>
+          <a:bodyPr/>
+          <a:lstStyle/>
+          <a:p>
+            <a:r>
+              <a:rPr lang="bg-BG" dirty="0"/>
+              <a:t>Футър</a:t>
+            </a:r>
+            <a:endParaRPr lang="en-BG" dirty="0"/>
+          </a:p>
+        </p:txBody>
+      </p:sp>
+      <p:pic>
+        <p:nvPicPr>
+          <p:cNvPr id="6" name="Picture 5">
+            <a:extLst>
+              <a:ext uri="{FF2B5EF4-FFF2-40B4-BE49-F238E27FC236}">
+                <a16:creationId xmlns:a16="http://schemas.microsoft.com/office/drawing/2014/main" id="{8522FEF9-2061-45C1-D0E8-17A630CD4575}"/>
+              </a:ext>
+            </a:extLst>
+          </p:cNvPr>
+          <p:cNvPicPr>
+            <a:picLocks noChangeAspect="1"/>
+          </p:cNvPicPr>
+          <p:nvPr/>
+        </p:nvPicPr>
+        <p:blipFill>
+          <a:blip r:embed="rId3">
+            <a:extLst>
+              <a:ext uri="{28A0092B-C50C-407E-A947-70E740481C1C}">
+                <a14:useLocalDpi xmlns:a14="http://schemas.microsoft.com/office/drawing/2010/main" val="0"/>
+              </a:ext>
+            </a:extLst>
+          </a:blip>
+          <a:srcRect/>
+          <a:stretch/>
+        </p:blipFill>
+        <p:spPr>
+          <a:xfrm>
+            <a:off x="804800" y="2937074"/>
+            <a:ext cx="10582400" cy="983851"/>
+          </a:xfrm>
+          <a:prstGeom prst="rect">
+            <a:avLst/>
+          </a:prstGeom>
+          <a:ln>
+            <a:noFill/>
+          </a:ln>
+        </p:spPr>
+      </p:pic>
+    </p:spTree>
+    <p:extLst>
+      <p:ext uri="{BB962C8B-B14F-4D97-AF65-F5344CB8AC3E}">
+        <p14:creationId xmlns:p14="http://schemas.microsoft.com/office/powerpoint/2010/main" val="2951991138"/>
+      </p:ext>
+    </p:extLst>
+  </p:cSld>
+  <p:clrMapOvr>
+    <a:masterClrMapping/>
+  </p:clrMapOvr>
+  <mc:AlternateContent xmlns:mc="http://schemas.openxmlformats.org/markup-compatibility/2006">
+    <mc:Choice xmlns:p14="http://schemas.microsoft.com/office/powerpoint/2010/main" Requires="p14">
+      <p:transition spd="slow" p14:dur="2000" advClick="0" advTm="5000"/>
+    </mc:Choice>
+    <mc:Fallback>
+      <p:transition spd="slow" advClick="0" advTm="5000"/>
+    </mc:Fallback>
+  </mc:AlternateContent>
+  <p:timing>
+    <p:tnLst>
+      <p:par>
+        <p:cTn id="1" dur="indefinite" restart="never" nodeType="tmRoot">
+          <p:childTnLst>
+            <p:seq concurrent="1" nextAc="seek">
+              <p:cTn id="2" dur="indefinite" nodeType="mainSeq">
+                <p:childTnLst>
                   <p:par>
-                    <p:cTn id="11" fill="hold">
+                    <p:cTn id="3" fill="hold">
                       <p:stCondLst>
                         <p:cond delay="indefinite"/>
                       </p:stCondLst>
                       <p:childTnLst>
                         <p:par>
-                          <p:cTn id="12" fill="hold">
+                          <p:cTn id="4" fill="hold">
                             <p:stCondLst>
                               <p:cond delay="0"/>
                             </p:stCondLst>
                             <p:childTnLst>
                               <p:par>
-                                <p:cTn id="13" presetID="1" presetClass="entr" presetSubtype="0" fill="hold" nodeType="clickEffect">
+                                <p:cTn id="5" presetID="1" presetClass="entr" presetSubtype="0" fill="hold" nodeType="clickEffect">
                                   <p:stCondLst>
                                     <p:cond delay="0"/>
                                   </p:stCondLst>
                                   <p:childTnLst>
                                     <p:set>
                                       <p:cBhvr>
-                                        <p:cTn id="14" dur="1" fill="hold">
+                                        <p:cTn id="6" dur="1" fill="hold">
                                           <p:stCondLst>
                                             <p:cond delay="0"/>
                                           </p:stCondLst>
@@ -24321,15 +26536,10 @@
       </p:par>
     </p:tnLst>
   </p:timing>
-  <p:extLst>
-    <p:ext uri="{6950BFC3-D8DA-4A85-94F7-54DA5524770B}">
-      <p188:commentRel xmlns:p188="http://schemas.microsoft.com/office/powerpoint/2018/8/main" r:id="rId3"/>
-    </p:ext>
-  </p:extLst>
 </p:sld>
 </file>
 
-<file path=ppt/slides/slide32.xml><?xml version="1.0" encoding="utf-8"?>
+<file path=ppt/slides/slide35.xml><?xml version="1.0" encoding="utf-8"?>
 <p:sld xmlns:a="http://schemas.openxmlformats.org/drawingml/2006/main" xmlns:r="http://schemas.openxmlformats.org/officeDocument/2006/relationships" xmlns:p="http://schemas.openxmlformats.org/presentationml/2006/main">
   <p:cSld>
     <p:spTree>
@@ -24379,7 +26589,7 @@
             <a:fld id="{2BF067CD-8E6B-4360-9AA8-C5DF2A48A6D1}" type="slidenum">
               <a:rPr lang="en-US" smtClean="0"/>
               <a:pPr/>
-              <a:t>32</a:t>
+              <a:t>35</a:t>
             </a:fld>
             <a:endParaRPr lang="en-US" dirty="0"/>
           </a:p>
@@ -24939,7 +27149,7 @@
 </p:sld>
 </file>
 
-<file path=ppt/slides/slide33.xml><?xml version="1.0" encoding="utf-8"?>
+<file path=ppt/slides/slide36.xml><?xml version="1.0" encoding="utf-8"?>
 <p:sld xmlns:a="http://schemas.openxmlformats.org/drawingml/2006/main" xmlns:r="http://schemas.openxmlformats.org/officeDocument/2006/relationships" xmlns:p="http://schemas.openxmlformats.org/presentationml/2006/main">
   <p:cSld>
     <p:spTree>
@@ -24989,7 +27199,7 @@
             <a:fld id="{2BF067CD-8E6B-4360-9AA8-C5DF2A48A6D1}" type="slidenum">
               <a:rPr lang="en-US" smtClean="0"/>
               <a:pPr/>
-              <a:t>33</a:t>
+              <a:t>36</a:t>
             </a:fld>
             <a:endParaRPr lang="en-US" dirty="0"/>
           </a:p>
@@ -25051,14 +27261,13 @@
               </a:ext>
             </a:extLst>
           </a:blip>
-          <a:stretch>
-            <a:fillRect/>
-          </a:stretch>
+          <a:srcRect/>
+          <a:stretch/>
         </p:blipFill>
         <p:spPr>
           <a:xfrm>
-            <a:off x="3009557" y="1179000"/>
-            <a:ext cx="6172886" cy="5578250"/>
+            <a:off x="3030176" y="1179000"/>
+            <a:ext cx="6131647" cy="5578250"/>
           </a:xfrm>
           <a:prstGeom prst="rect">
             <a:avLst/>
@@ -25086,7 +27295,7 @@
 </p:sld>
 </file>
 
-<file path=ppt/slides/slide34.xml><?xml version="1.0" encoding="utf-8"?>
+<file path=ppt/slides/slide37.xml><?xml version="1.0" encoding="utf-8"?>
 <p:sld xmlns:a="http://schemas.openxmlformats.org/drawingml/2006/main" xmlns:r="http://schemas.openxmlformats.org/officeDocument/2006/relationships" xmlns:p="http://schemas.openxmlformats.org/presentationml/2006/main">
   <p:cSld>
     <p:spTree>
@@ -25632,7 +27841,7 @@
             <a:fld id="{2BF067CD-8E6B-4360-9AA8-C5DF2A48A6D1}" type="slidenum">
               <a:rPr lang="en-US" noProof="0" smtClean="0"/>
               <a:pPr/>
-              <a:t>34</a:t>
+              <a:t>37</a:t>
             </a:fld>
             <a:endParaRPr lang="en-US" noProof="0" dirty="0"/>
           </a:p>
@@ -25836,7 +28045,7 @@
 </p:sld>
 </file>
 
-<file path=ppt/slides/slide35.xml><?xml version="1.0" encoding="utf-8"?>
+<file path=ppt/slides/slide38.xml><?xml version="1.0" encoding="utf-8"?>
 <p:sld xmlns:a="http://schemas.openxmlformats.org/drawingml/2006/main" xmlns:r="http://schemas.openxmlformats.org/officeDocument/2006/relationships" xmlns:p="http://schemas.openxmlformats.org/presentationml/2006/main">
   <p:cSld>
     <p:spTree>
@@ -26026,7 +28235,7 @@
 </p:sld>
 </file>
 
-<file path=ppt/slides/slide36.xml><?xml version="1.0" encoding="utf-8"?>
+<file path=ppt/slides/slide39.xml><?xml version="1.0" encoding="utf-8"?>
 <p:sld xmlns:a="http://schemas.openxmlformats.org/drawingml/2006/main" xmlns:r="http://schemas.openxmlformats.org/officeDocument/2006/relationships" xmlns:p="http://schemas.openxmlformats.org/presentationml/2006/main" show="0">
   <p:cSld>
     <p:spTree>
@@ -26079,7 +28288,7 @@
             <a:fld id="{2BF067CD-8E6B-4360-9AA8-C5DF2A48A6D1}" type="slidenum">
               <a:rPr lang="en-US" smtClean="0"/>
               <a:pPr/>
-              <a:t>36</a:t>
+              <a:t>39</a:t>
             </a:fld>
             <a:endParaRPr lang="en-US" dirty="0"/>
           </a:p>

--- a/Courses/Software-Sciences/IT-Module-3-Web-Design/05-Web-Pages-Design/05-Web-Pages-Design.pptx
+++ b/Courses/Software-Sciences/IT-Module-3-Web-Design/05-Web-Pages-Design/05-Web-Pages-Design.pptx
@@ -364,7 +364,7 @@
           <a:p>
             <a:fld id="{4E087215-0C8F-4762-A664-737A353EC9A4}" type="datetimeFigureOut">
               <a:rPr lang="bg-BG" smtClean="0"/>
-              <a:t>27.11.25 г.</a:t>
+              <a:t>14.01.26 г.</a:t>
             </a:fld>
             <a:endParaRPr lang="bg-BG"/>
           </a:p>
@@ -560,7 +560,7 @@
           <a:p>
             <a:fld id="{72D84649-876A-46C9-8472-14CB09C070D8}" type="datetimeFigureOut">
               <a:rPr lang="en-US" smtClean="0"/>
-              <a:t>11/27/25</a:t>
+              <a:t>1/14/26</a:t>
             </a:fld>
             <a:endParaRPr lang="en-US"/>
           </a:p>
@@ -25051,11 +25051,11 @@
   <p:clrMapOvr>
     <a:masterClrMapping/>
   </p:clrMapOvr>
-  <mc:AlternateContent xmlns:mc="http://schemas.openxmlformats.org/markup-compatibility/2006">
-    <mc:Choice xmlns:p14="http://schemas.microsoft.com/office/powerpoint/2010/main" Requires="p14">
+  <mc:AlternateContent xmlns:mc="http://schemas.openxmlformats.org/markup-compatibility/2006" xmlns:p14="http://schemas.microsoft.com/office/powerpoint/2010/main">
+    <mc:Choice Requires="p14">
       <p:transition spd="slow" p14:dur="2000" advClick="0" advTm="5000"/>
     </mc:Choice>
-    <mc:Fallback>
+    <mc:Fallback xmlns="">
       <p:transition spd="slow" advClick="0" advTm="5000"/>
     </mc:Fallback>
   </mc:AlternateContent>
@@ -25523,11 +25523,11 @@
   <p:clrMapOvr>
     <a:masterClrMapping/>
   </p:clrMapOvr>
-  <mc:AlternateContent xmlns:mc="http://schemas.openxmlformats.org/markup-compatibility/2006">
-    <mc:Choice xmlns:p14="http://schemas.microsoft.com/office/powerpoint/2010/main" Requires="p14">
+  <mc:AlternateContent xmlns:mc="http://schemas.openxmlformats.org/markup-compatibility/2006" xmlns:p14="http://schemas.microsoft.com/office/powerpoint/2010/main">
+    <mc:Choice Requires="p14">
       <p:transition spd="slow" p14:dur="2000" advClick="0" advTm="5000"/>
     </mc:Choice>
-    <mc:Fallback>
+    <mc:Fallback xmlns="">
       <p:transition spd="slow" advClick="0" advTm="5000"/>
     </mc:Fallback>
   </mc:AlternateContent>
@@ -26453,11 +26453,11 @@
   <p:clrMapOvr>
     <a:masterClrMapping/>
   </p:clrMapOvr>
-  <mc:AlternateContent xmlns:mc="http://schemas.openxmlformats.org/markup-compatibility/2006">
-    <mc:Choice xmlns:p14="http://schemas.microsoft.com/office/powerpoint/2010/main" Requires="p14">
+  <mc:AlternateContent xmlns:mc="http://schemas.openxmlformats.org/markup-compatibility/2006" xmlns:p14="http://schemas.microsoft.com/office/powerpoint/2010/main">
+    <mc:Choice Requires="p14">
       <p:transition spd="slow" p14:dur="2000" advClick="0" advTm="5000"/>
     </mc:Choice>
-    <mc:Fallback>
+    <mc:Fallback xmlns="">
       <p:transition spd="slow" advClick="0" advTm="5000"/>
     </mc:Fallback>
   </mc:AlternateContent>
@@ -26682,6 +26682,8 @@
                 <a:solidFill>
                   <a:schemeClr val="bg1"/>
                 </a:solidFill>
+                <a:latin typeface="Consolas" panose="020B0609020204030204" pitchFamily="49" charset="0"/>
+                <a:cs typeface="Consolas" panose="020B0609020204030204" pitchFamily="49" charset="0"/>
               </a:rPr>
               <a:t>PNG</a:t>
             </a:r>
